--- a/slides/08-strings.pptx
+++ b/slides/08-strings.pptx
@@ -5,7 +5,7 @@
     <p:sldMasterId id="2147483852" r:id="rId1"/>
   </p:sldMasterIdLst>
   <p:notesMasterIdLst>
-    <p:notesMasterId r:id="rId18"/>
+    <p:notesMasterId r:id="rId22"/>
   </p:notesMasterIdLst>
   <p:sldIdLst>
     <p:sldId id="256" r:id="rId2"/>
@@ -17,13 +17,17 @@
     <p:sldId id="355" r:id="rId8"/>
     <p:sldId id="356" r:id="rId9"/>
     <p:sldId id="352" r:id="rId10"/>
-    <p:sldId id="359" r:id="rId11"/>
-    <p:sldId id="362" r:id="rId12"/>
-    <p:sldId id="367" r:id="rId13"/>
-    <p:sldId id="358" r:id="rId14"/>
-    <p:sldId id="357" r:id="rId15"/>
-    <p:sldId id="369" r:id="rId16"/>
-    <p:sldId id="371" r:id="rId17"/>
+    <p:sldId id="374" r:id="rId11"/>
+    <p:sldId id="375" r:id="rId12"/>
+    <p:sldId id="376" r:id="rId13"/>
+    <p:sldId id="373" r:id="rId14"/>
+    <p:sldId id="359" r:id="rId15"/>
+    <p:sldId id="362" r:id="rId16"/>
+    <p:sldId id="367" r:id="rId17"/>
+    <p:sldId id="358" r:id="rId18"/>
+    <p:sldId id="357" r:id="rId19"/>
+    <p:sldId id="369" r:id="rId20"/>
+    <p:sldId id="371" r:id="rId21"/>
   </p:sldIdLst>
   <p:sldSz cx="12192000" cy="6858000"/>
   <p:notesSz cx="6858000" cy="9144000"/>
@@ -212,7 +216,7 @@
           <a:p>
             <a:fld id="{3CBB8A52-8AC5-C74C-97FB-632C448F3674}" type="datetimeFigureOut">
               <a:rPr lang="en-US" smtClean="0"/>
-              <a:t>9/26/23</a:t>
+              <a:t>9/27/23</a:t>
             </a:fld>
             <a:endParaRPr lang="en-US"/>
           </a:p>
@@ -553,7 +557,7 @@
           <a:p>
             <a:fld id="{77F12483-E947-6F4E-A75E-B2E677827779}" type="slidenum">
               <a:rPr lang="en-US" smtClean="0"/>
-              <a:t>10</a:t>
+              <a:t>14</a:t>
             </a:fld>
             <a:endParaRPr lang="en-US"/>
           </a:p>
@@ -646,7 +650,7 @@
           <a:p>
             <a:fld id="{77F12483-E947-6F4E-A75E-B2E677827779}" type="slidenum">
               <a:rPr lang="en-US" smtClean="0"/>
-              <a:t>12</a:t>
+              <a:t>16</a:t>
             </a:fld>
             <a:endParaRPr lang="en-US"/>
           </a:p>
@@ -890,7 +894,7 @@
             <a:fld id="{5586B75A-687E-405C-8A0B-8D00578BA2C3}" type="datetimeFigureOut">
               <a:rPr lang="en-US" smtClean="0"/>
               <a:pPr/>
-              <a:t>9/26/23</a:t>
+              <a:t>9/27/23</a:t>
             </a:fld>
             <a:endParaRPr lang="en-US" dirty="0"/>
           </a:p>
@@ -1062,7 +1066,7 @@
             <a:fld id="{5586B75A-687E-405C-8A0B-8D00578BA2C3}" type="datetimeFigureOut">
               <a:rPr lang="en-US" smtClean="0"/>
               <a:pPr/>
-              <a:t>9/26/23</a:t>
+              <a:t>9/27/23</a:t>
             </a:fld>
             <a:endParaRPr lang="en-US" dirty="0"/>
           </a:p>
@@ -1244,7 +1248,7 @@
             <a:fld id="{5586B75A-687E-405C-8A0B-8D00578BA2C3}" type="datetimeFigureOut">
               <a:rPr lang="en-US" smtClean="0"/>
               <a:pPr/>
-              <a:t>9/26/23</a:t>
+              <a:t>9/27/23</a:t>
             </a:fld>
             <a:endParaRPr lang="en-US" dirty="0"/>
           </a:p>
@@ -1416,7 +1420,7 @@
             <a:fld id="{5586B75A-687E-405C-8A0B-8D00578BA2C3}" type="datetimeFigureOut">
               <a:rPr lang="en-US" smtClean="0"/>
               <a:pPr/>
-              <a:t>9/26/23</a:t>
+              <a:t>9/27/23</a:t>
             </a:fld>
             <a:endParaRPr lang="en-US" dirty="0"/>
           </a:p>
@@ -1672,7 +1676,7 @@
             <a:fld id="{5586B75A-687E-405C-8A0B-8D00578BA2C3}" type="datetimeFigureOut">
               <a:rPr lang="en-US" smtClean="0"/>
               <a:pPr/>
-              <a:t>9/26/23</a:t>
+              <a:t>9/27/23</a:t>
             </a:fld>
             <a:endParaRPr lang="en-US" dirty="0"/>
           </a:p>
@@ -1962,7 +1966,7 @@
             <a:fld id="{5586B75A-687E-405C-8A0B-8D00578BA2C3}" type="datetimeFigureOut">
               <a:rPr lang="en-US" smtClean="0"/>
               <a:pPr/>
-              <a:t>9/26/23</a:t>
+              <a:t>9/27/23</a:t>
             </a:fld>
             <a:endParaRPr lang="en-US" dirty="0"/>
           </a:p>
@@ -2406,7 +2410,7 @@
             <a:fld id="{5586B75A-687E-405C-8A0B-8D00578BA2C3}" type="datetimeFigureOut">
               <a:rPr lang="en-US" smtClean="0"/>
               <a:pPr/>
-              <a:t>9/26/23</a:t>
+              <a:t>9/27/23</a:t>
             </a:fld>
             <a:endParaRPr lang="en-US" dirty="0"/>
           </a:p>
@@ -2526,7 +2530,7 @@
             <a:fld id="{5586B75A-687E-405C-8A0B-8D00578BA2C3}" type="datetimeFigureOut">
               <a:rPr lang="en-US" smtClean="0"/>
               <a:pPr/>
-              <a:t>9/26/23</a:t>
+              <a:t>9/27/23</a:t>
             </a:fld>
             <a:endParaRPr lang="en-US" dirty="0"/>
           </a:p>
@@ -2623,7 +2627,7 @@
             <a:fld id="{5586B75A-687E-405C-8A0B-8D00578BA2C3}" type="datetimeFigureOut">
               <a:rPr lang="en-US" smtClean="0"/>
               <a:pPr/>
-              <a:t>9/26/23</a:t>
+              <a:t>9/27/23</a:t>
             </a:fld>
             <a:endParaRPr lang="en-US" dirty="0"/>
           </a:p>
@@ -2913,7 +2917,7 @@
             <a:fld id="{5586B75A-687E-405C-8A0B-8D00578BA2C3}" type="datetimeFigureOut">
               <a:rPr lang="en-US" smtClean="0"/>
               <a:pPr/>
-              <a:t>9/26/23</a:t>
+              <a:t>9/27/23</a:t>
             </a:fld>
             <a:endParaRPr lang="en-US" dirty="0"/>
           </a:p>
@@ -3188,7 +3192,7 @@
             <a:fld id="{5586B75A-687E-405C-8A0B-8D00578BA2C3}" type="datetimeFigureOut">
               <a:rPr lang="en-US" smtClean="0"/>
               <a:pPr/>
-              <a:t>9/26/23</a:t>
+              <a:t>9/27/23</a:t>
             </a:fld>
             <a:endParaRPr lang="en-US" dirty="0"/>
           </a:p>
@@ -3487,7 +3491,7 @@
             <a:fld id="{5586B75A-687E-405C-8A0B-8D00578BA2C3}" type="datetimeFigureOut">
               <a:rPr lang="en-US" smtClean="0"/>
               <a:pPr/>
-              <a:t>9/26/23</a:t>
+              <a:t>9/27/23</a:t>
             </a:fld>
             <a:endParaRPr lang="en-US" dirty="0"/>
           </a:p>
@@ -4088,6 +4092,1393 @@
 </file>
 
 <file path=ppt/slides/slide10.xml><?xml version="1.0" encoding="utf-8"?>
+<p:sld xmlns:a="http://schemas.openxmlformats.org/drawingml/2006/main" xmlns:r="http://schemas.openxmlformats.org/officeDocument/2006/relationships" xmlns:p="http://schemas.openxmlformats.org/presentationml/2006/main">
+  <p:cSld>
+    <p:spTree>
+      <p:nvGrpSpPr>
+        <p:cNvPr id="1" name=""/>
+        <p:cNvGrpSpPr/>
+        <p:nvPr/>
+      </p:nvGrpSpPr>
+      <p:grpSpPr>
+        <a:xfrm>
+          <a:off x="0" y="0"/>
+          <a:ext cx="0" cy="0"/>
+          <a:chOff x="0" y="0"/>
+          <a:chExt cx="0" cy="0"/>
+        </a:xfrm>
+      </p:grpSpPr>
+      <p:sp>
+        <p:nvSpPr>
+          <p:cNvPr id="2" name="Title 1"/>
+          <p:cNvSpPr>
+            <a:spLocks noGrp="1"/>
+          </p:cNvSpPr>
+          <p:nvPr>
+            <p:ph type="title"/>
+          </p:nvPr>
+        </p:nvSpPr>
+        <p:spPr/>
+        <p:txBody>
+          <a:bodyPr/>
+          <a:lstStyle/>
+          <a:p>
+            <a:r>
+              <a:rPr lang="en-US" dirty="0"/>
+              <a:t>Lists</a:t>
+            </a:r>
+          </a:p>
+        </p:txBody>
+      </p:sp>
+      <p:sp>
+        <p:nvSpPr>
+          <p:cNvPr id="3" name="Content Placeholder 2"/>
+          <p:cNvSpPr>
+            <a:spLocks noGrp="1"/>
+          </p:cNvSpPr>
+          <p:nvPr>
+            <p:ph idx="1"/>
+          </p:nvPr>
+        </p:nvSpPr>
+        <p:spPr>
+          <a:xfrm>
+            <a:off x="3408219" y="864108"/>
+            <a:ext cx="8354290" cy="5120640"/>
+          </a:xfrm>
+        </p:spPr>
+        <p:txBody>
+          <a:bodyPr anchor="t">
+            <a:normAutofit/>
+          </a:bodyPr>
+          <a:lstStyle/>
+          <a:p>
+            <a:pPr marL="0" indent="0">
+              <a:buNone/>
+            </a:pPr>
+            <a:endParaRPr lang="en-US" sz="2400" dirty="0"/>
+          </a:p>
+          <a:p>
+            <a:r>
+              <a:rPr lang="en-US" sz="2400" dirty="0"/>
+              <a:t>List is an ordered collection of objects</a:t>
+            </a:r>
+          </a:p>
+          <a:p>
+            <a:pPr lvl="1"/>
+            <a:r>
+              <a:rPr lang="en-US" sz="2200" dirty="0"/>
+              <a:t>Ex. </a:t>
+            </a:r>
+            <a:r>
+              <a:rPr lang="en-US" sz="2200" dirty="0">
+                <a:latin typeface="Consolas" panose="020B0609020204030204" pitchFamily="49" charset="0"/>
+                <a:cs typeface="Consolas" panose="020B0609020204030204" pitchFamily="49" charset="0"/>
+              </a:rPr>
+              <a:t>[“a”, “b”, “c”]</a:t>
+            </a:r>
+          </a:p>
+          <a:p>
+            <a:pPr lvl="2"/>
+            <a:r>
+              <a:rPr lang="en-US" sz="2000" dirty="0">
+                <a:latin typeface="Consolas" panose="020B0609020204030204" pitchFamily="49" charset="0"/>
+                <a:cs typeface="Consolas" panose="020B0609020204030204" pitchFamily="49" charset="0"/>
+              </a:rPr>
+              <a:t>[“cat”, “dog”, “moose”, “cow”]</a:t>
+            </a:r>
+          </a:p>
+          <a:p>
+            <a:pPr lvl="2"/>
+            <a:r>
+              <a:rPr lang="en-US" sz="2000" dirty="0">
+                <a:latin typeface="Consolas" panose="020B0609020204030204" pitchFamily="49" charset="0"/>
+                <a:cs typeface="Consolas" panose="020B0609020204030204" pitchFamily="49" charset="0"/>
+              </a:rPr>
+              <a:t>[TRUE, FALSE, FALSE]</a:t>
+            </a:r>
+          </a:p>
+          <a:p>
+            <a:pPr lvl="2"/>
+            <a:r>
+              <a:rPr lang="en-US" sz="2000" dirty="0">
+                <a:latin typeface="Consolas" panose="020B0609020204030204" pitchFamily="49" charset="0"/>
+                <a:cs typeface="Consolas" panose="020B0609020204030204" pitchFamily="49" charset="0"/>
+              </a:rPr>
+              <a:t>[90, 110, 14, 67]</a:t>
+            </a:r>
+          </a:p>
+        </p:txBody>
+      </p:sp>
+    </p:spTree>
+    <p:extLst>
+      <p:ext uri="{BB962C8B-B14F-4D97-AF65-F5344CB8AC3E}">
+        <p14:creationId xmlns:p14="http://schemas.microsoft.com/office/powerpoint/2010/main" val="887363787"/>
+      </p:ext>
+    </p:extLst>
+  </p:cSld>
+  <p:clrMapOvr>
+    <a:masterClrMapping/>
+  </p:clrMapOvr>
+</p:sld>
+</file>
+
+<file path=ppt/slides/slide11.xml><?xml version="1.0" encoding="utf-8"?>
+<p:sld xmlns:a="http://schemas.openxmlformats.org/drawingml/2006/main" xmlns:r="http://schemas.openxmlformats.org/officeDocument/2006/relationships" xmlns:p="http://schemas.openxmlformats.org/presentationml/2006/main">
+  <p:cSld>
+    <p:spTree>
+      <p:nvGrpSpPr>
+        <p:cNvPr id="1" name=""/>
+        <p:cNvGrpSpPr/>
+        <p:nvPr/>
+      </p:nvGrpSpPr>
+      <p:grpSpPr>
+        <a:xfrm>
+          <a:off x="0" y="0"/>
+          <a:ext cx="0" cy="0"/>
+          <a:chOff x="0" y="0"/>
+          <a:chExt cx="0" cy="0"/>
+        </a:xfrm>
+      </p:grpSpPr>
+      <p:sp>
+        <p:nvSpPr>
+          <p:cNvPr id="2" name="Title 1"/>
+          <p:cNvSpPr>
+            <a:spLocks noGrp="1"/>
+          </p:cNvSpPr>
+          <p:nvPr>
+            <p:ph type="title"/>
+          </p:nvPr>
+        </p:nvSpPr>
+        <p:spPr/>
+        <p:txBody>
+          <a:bodyPr/>
+          <a:lstStyle/>
+          <a:p>
+            <a:r>
+              <a:rPr lang="en-US" dirty="0"/>
+              <a:t>Lists</a:t>
+            </a:r>
+          </a:p>
+        </p:txBody>
+      </p:sp>
+      <p:sp>
+        <p:nvSpPr>
+          <p:cNvPr id="3" name="Content Placeholder 2"/>
+          <p:cNvSpPr>
+            <a:spLocks noGrp="1"/>
+          </p:cNvSpPr>
+          <p:nvPr>
+            <p:ph idx="1"/>
+          </p:nvPr>
+        </p:nvSpPr>
+        <p:spPr>
+          <a:xfrm>
+            <a:off x="3408219" y="864108"/>
+            <a:ext cx="8354290" cy="5120640"/>
+          </a:xfrm>
+        </p:spPr>
+        <p:txBody>
+          <a:bodyPr anchor="t">
+            <a:normAutofit/>
+          </a:bodyPr>
+          <a:lstStyle/>
+          <a:p>
+            <a:pPr marL="0" indent="0">
+              <a:buNone/>
+            </a:pPr>
+            <a:endParaRPr lang="en-US" sz="2400" dirty="0"/>
+          </a:p>
+          <a:p>
+            <a:r>
+              <a:rPr lang="en-US" sz="2400" dirty="0"/>
+              <a:t>List is an ordered collection of objects</a:t>
+            </a:r>
+          </a:p>
+          <a:p>
+            <a:pPr lvl="1"/>
+            <a:r>
+              <a:rPr lang="en-US" sz="2200" dirty="0"/>
+              <a:t>Ex. </a:t>
+            </a:r>
+            <a:r>
+              <a:rPr lang="en-US" sz="2200" dirty="0">
+                <a:latin typeface="Consolas" panose="020B0609020204030204" pitchFamily="49" charset="0"/>
+                <a:cs typeface="Consolas" panose="020B0609020204030204" pitchFamily="49" charset="0"/>
+              </a:rPr>
+              <a:t>[“a”, “b”, “c”]</a:t>
+            </a:r>
+          </a:p>
+          <a:p>
+            <a:pPr lvl="2"/>
+            <a:r>
+              <a:rPr lang="en-US" sz="2000" dirty="0">
+                <a:latin typeface="Consolas" panose="020B0609020204030204" pitchFamily="49" charset="0"/>
+                <a:cs typeface="Consolas" panose="020B0609020204030204" pitchFamily="49" charset="0"/>
+              </a:rPr>
+              <a:t>[“cat”, “dog”, “moose”, “cow”]</a:t>
+            </a:r>
+          </a:p>
+          <a:p>
+            <a:pPr lvl="2"/>
+            <a:r>
+              <a:rPr lang="en-US" sz="2000" dirty="0">
+                <a:latin typeface="Consolas" panose="020B0609020204030204" pitchFamily="49" charset="0"/>
+                <a:cs typeface="Consolas" panose="020B0609020204030204" pitchFamily="49" charset="0"/>
+              </a:rPr>
+              <a:t>[TRUE, FALSE, FALSE]</a:t>
+            </a:r>
+          </a:p>
+          <a:p>
+            <a:pPr lvl="2"/>
+            <a:r>
+              <a:rPr lang="en-US" sz="2000" dirty="0">
+                <a:latin typeface="Consolas" panose="020B0609020204030204" pitchFamily="49" charset="0"/>
+                <a:cs typeface="Consolas" panose="020B0609020204030204" pitchFamily="49" charset="0"/>
+              </a:rPr>
+              <a:t>[90, 110, 14, 67]</a:t>
+            </a:r>
+          </a:p>
+          <a:p>
+            <a:r>
+              <a:rPr lang="en-US" sz="2400" dirty="0">
+                <a:cs typeface="Consolas" panose="020B0609020204030204" pitchFamily="49" charset="0"/>
+              </a:rPr>
+              <a:t>Items in a list are indexed</a:t>
+            </a:r>
+          </a:p>
+          <a:p>
+            <a:pPr marL="0" indent="0">
+              <a:buNone/>
+            </a:pPr>
+            <a:endParaRPr lang="en-US" sz="2400" dirty="0">
+              <a:cs typeface="Consolas" panose="020B0609020204030204" pitchFamily="49" charset="0"/>
+            </a:endParaRPr>
+          </a:p>
+        </p:txBody>
+      </p:sp>
+      <p:sp>
+        <p:nvSpPr>
+          <p:cNvPr id="4" name="Rectangle 3">
+            <a:extLst>
+              <a:ext uri="{FF2B5EF4-FFF2-40B4-BE49-F238E27FC236}">
+                <a16:creationId xmlns:a16="http://schemas.microsoft.com/office/drawing/2014/main" id="{6FEE6A3C-5DF6-E501-F75C-2733E77A8A44}"/>
+              </a:ext>
+            </a:extLst>
+          </p:cNvPr>
+          <p:cNvSpPr/>
+          <p:nvPr/>
+        </p:nvSpPr>
+        <p:spPr>
+          <a:xfrm>
+            <a:off x="4317971" y="3765621"/>
+            <a:ext cx="5907386" cy="1754326"/>
+          </a:xfrm>
+          <a:prstGeom prst="rect">
+            <a:avLst/>
+          </a:prstGeom>
+          <a:noFill/>
+        </p:spPr>
+        <p:txBody>
+          <a:bodyPr wrap="none" lIns="91440" tIns="45720" rIns="91440" bIns="45720">
+            <a:spAutoFit/>
+          </a:bodyPr>
+          <a:lstStyle/>
+          <a:p>
+            <a:pPr algn="ctr"/>
+            <a:r>
+              <a:rPr lang="en-US" sz="5400" b="0" cap="none" spc="0" dirty="0">
+                <a:ln w="0"/>
+                <a:solidFill>
+                  <a:schemeClr val="tx1"/>
+                </a:solidFill>
+                <a:effectLst>
+                  <a:outerShdw blurRad="38100" dist="19050" dir="2700000" algn="tl" rotWithShape="0">
+                    <a:schemeClr val="dk1">
+                      <a:alpha val="40000"/>
+                    </a:schemeClr>
+                  </a:outerShdw>
+                </a:effectLst>
+                <a:latin typeface="Consolas" panose="020B0609020204030204" pitchFamily="49" charset="0"/>
+                <a:cs typeface="Consolas" panose="020B0609020204030204" pitchFamily="49" charset="0"/>
+              </a:rPr>
+              <a:t>[X, Y, Z, W, V]</a:t>
+            </a:r>
+          </a:p>
+          <a:p>
+            <a:pPr algn="ctr"/>
+            <a:r>
+              <a:rPr lang="en-US" sz="5400" dirty="0">
+                <a:ln w="0"/>
+                <a:solidFill>
+                  <a:srgbClr val="C00000"/>
+                </a:solidFill>
+                <a:effectLst>
+                  <a:outerShdw blurRad="38100" dist="19050" dir="2700000" algn="tl" rotWithShape="0">
+                    <a:schemeClr val="dk1">
+                      <a:alpha val="40000"/>
+                    </a:schemeClr>
+                  </a:outerShdw>
+                </a:effectLst>
+                <a:latin typeface="Consolas" panose="020B0609020204030204" pitchFamily="49" charset="0"/>
+                <a:cs typeface="Consolas" panose="020B0609020204030204" pitchFamily="49" charset="0"/>
+              </a:rPr>
+              <a:t>0  1  2  3  4</a:t>
+            </a:r>
+            <a:endParaRPr lang="en-US" sz="5400" b="0" cap="none" spc="0" dirty="0">
+              <a:ln w="0"/>
+              <a:solidFill>
+                <a:srgbClr val="C00000"/>
+              </a:solidFill>
+              <a:effectLst>
+                <a:outerShdw blurRad="38100" dist="19050" dir="2700000" algn="tl" rotWithShape="0">
+                  <a:schemeClr val="dk1">
+                    <a:alpha val="40000"/>
+                  </a:schemeClr>
+                </a:outerShdw>
+              </a:effectLst>
+              <a:latin typeface="Consolas" panose="020B0609020204030204" pitchFamily="49" charset="0"/>
+              <a:cs typeface="Consolas" panose="020B0609020204030204" pitchFamily="49" charset="0"/>
+            </a:endParaRPr>
+          </a:p>
+        </p:txBody>
+      </p:sp>
+    </p:spTree>
+    <p:extLst>
+      <p:ext uri="{BB962C8B-B14F-4D97-AF65-F5344CB8AC3E}">
+        <p14:creationId xmlns:p14="http://schemas.microsoft.com/office/powerpoint/2010/main" val="602282132"/>
+      </p:ext>
+    </p:extLst>
+  </p:cSld>
+  <p:clrMapOvr>
+    <a:masterClrMapping/>
+  </p:clrMapOvr>
+</p:sld>
+</file>
+
+<file path=ppt/slides/slide12.xml><?xml version="1.0" encoding="utf-8"?>
+<p:sld xmlns:a="http://schemas.openxmlformats.org/drawingml/2006/main" xmlns:r="http://schemas.openxmlformats.org/officeDocument/2006/relationships" xmlns:p="http://schemas.openxmlformats.org/presentationml/2006/main">
+  <p:cSld>
+    <p:spTree>
+      <p:nvGrpSpPr>
+        <p:cNvPr id="1" name=""/>
+        <p:cNvGrpSpPr/>
+        <p:nvPr/>
+      </p:nvGrpSpPr>
+      <p:grpSpPr>
+        <a:xfrm>
+          <a:off x="0" y="0"/>
+          <a:ext cx="0" cy="0"/>
+          <a:chOff x="0" y="0"/>
+          <a:chExt cx="0" cy="0"/>
+        </a:xfrm>
+      </p:grpSpPr>
+      <p:sp>
+        <p:nvSpPr>
+          <p:cNvPr id="2" name="Title 1"/>
+          <p:cNvSpPr>
+            <a:spLocks noGrp="1"/>
+          </p:cNvSpPr>
+          <p:nvPr>
+            <p:ph type="title"/>
+          </p:nvPr>
+        </p:nvSpPr>
+        <p:spPr/>
+        <p:txBody>
+          <a:bodyPr/>
+          <a:lstStyle/>
+          <a:p>
+            <a:r>
+              <a:rPr lang="en-US" dirty="0"/>
+              <a:t>Lists</a:t>
+            </a:r>
+          </a:p>
+        </p:txBody>
+      </p:sp>
+      <p:sp>
+        <p:nvSpPr>
+          <p:cNvPr id="3" name="Content Placeholder 2"/>
+          <p:cNvSpPr>
+            <a:spLocks noGrp="1"/>
+          </p:cNvSpPr>
+          <p:nvPr>
+            <p:ph idx="1"/>
+          </p:nvPr>
+        </p:nvSpPr>
+        <p:spPr>
+          <a:xfrm>
+            <a:off x="3408219" y="864108"/>
+            <a:ext cx="8354290" cy="5449606"/>
+          </a:xfrm>
+        </p:spPr>
+        <p:txBody>
+          <a:bodyPr anchor="t">
+            <a:normAutofit/>
+          </a:bodyPr>
+          <a:lstStyle/>
+          <a:p>
+            <a:pPr marL="0" indent="0">
+              <a:buNone/>
+            </a:pPr>
+            <a:endParaRPr lang="en-US" sz="2400" dirty="0"/>
+          </a:p>
+          <a:p>
+            <a:r>
+              <a:rPr lang="en-US" sz="2400" dirty="0"/>
+              <a:t>List is an ordered collection of objects</a:t>
+            </a:r>
+          </a:p>
+          <a:p>
+            <a:pPr lvl="1"/>
+            <a:r>
+              <a:rPr lang="en-US" sz="2400" dirty="0"/>
+              <a:t>Ex. </a:t>
+            </a:r>
+            <a:r>
+              <a:rPr lang="en-US" sz="2400" dirty="0">
+                <a:latin typeface="Consolas" panose="020B0609020204030204" pitchFamily="49" charset="0"/>
+                <a:cs typeface="Consolas" panose="020B0609020204030204" pitchFamily="49" charset="0"/>
+              </a:rPr>
+              <a:t>[“a”, “b”, “c”]</a:t>
+            </a:r>
+          </a:p>
+          <a:p>
+            <a:pPr lvl="2"/>
+            <a:r>
+              <a:rPr lang="en-US" sz="2000" dirty="0">
+                <a:latin typeface="Consolas" panose="020B0609020204030204" pitchFamily="49" charset="0"/>
+                <a:cs typeface="Consolas" panose="020B0609020204030204" pitchFamily="49" charset="0"/>
+              </a:rPr>
+              <a:t>[“cat”, “dog”, “moose”, “cow”]</a:t>
+            </a:r>
+          </a:p>
+          <a:p>
+            <a:pPr lvl="2"/>
+            <a:r>
+              <a:rPr lang="en-US" sz="2000" dirty="0">
+                <a:latin typeface="Consolas" panose="020B0609020204030204" pitchFamily="49" charset="0"/>
+                <a:cs typeface="Consolas" panose="020B0609020204030204" pitchFamily="49" charset="0"/>
+              </a:rPr>
+              <a:t>[TRUE, FALSE, FALSE]</a:t>
+            </a:r>
+          </a:p>
+          <a:p>
+            <a:pPr lvl="2"/>
+            <a:r>
+              <a:rPr lang="en-US" sz="2000" dirty="0">
+                <a:latin typeface="Consolas" panose="020B0609020204030204" pitchFamily="49" charset="0"/>
+                <a:cs typeface="Consolas" panose="020B0609020204030204" pitchFamily="49" charset="0"/>
+              </a:rPr>
+              <a:t>[90, 110, 14, 67]</a:t>
+            </a:r>
+          </a:p>
+          <a:p>
+            <a:r>
+              <a:rPr lang="en-US" sz="2400" dirty="0">
+                <a:cs typeface="Consolas" panose="020B0609020204030204" pitchFamily="49" charset="0"/>
+              </a:rPr>
+              <a:t>Items in a list are indexed</a:t>
+            </a:r>
+          </a:p>
+          <a:p>
+            <a:endParaRPr lang="en-US" sz="2400" dirty="0">
+              <a:cs typeface="Consolas" panose="020B0609020204030204" pitchFamily="49" charset="0"/>
+            </a:endParaRPr>
+          </a:p>
+          <a:p>
+            <a:endParaRPr lang="en-US" sz="2400" dirty="0">
+              <a:cs typeface="Consolas" panose="020B0609020204030204" pitchFamily="49" charset="0"/>
+            </a:endParaRPr>
+          </a:p>
+          <a:p>
+            <a:endParaRPr lang="en-US" sz="2400" dirty="0">
+              <a:cs typeface="Consolas" panose="020B0609020204030204" pitchFamily="49" charset="0"/>
+            </a:endParaRPr>
+          </a:p>
+          <a:p>
+            <a:r>
+              <a:rPr lang="en-US" sz="2400" dirty="0">
+                <a:cs typeface="Consolas" panose="020B0609020204030204" pitchFamily="49" charset="0"/>
+              </a:rPr>
+              <a:t>To got one item, we use the index </a:t>
+            </a:r>
+          </a:p>
+          <a:p>
+            <a:pPr lvl="1"/>
+            <a:r>
+              <a:rPr lang="en-US" sz="2400" dirty="0">
+                <a:cs typeface="Consolas" panose="020B0609020204030204" pitchFamily="49" charset="0"/>
+              </a:rPr>
+              <a:t>Ex. </a:t>
+            </a:r>
+            <a:r>
+              <a:rPr lang="en-US" sz="2400" dirty="0" err="1">
+                <a:latin typeface="Consolas" panose="020B0609020204030204" pitchFamily="49" charset="0"/>
+                <a:cs typeface="Consolas" panose="020B0609020204030204" pitchFamily="49" charset="0"/>
+              </a:rPr>
+              <a:t>lst</a:t>
+            </a:r>
+            <a:r>
+              <a:rPr lang="en-US" sz="2400" dirty="0">
+                <a:latin typeface="Consolas" panose="020B0609020204030204" pitchFamily="49" charset="0"/>
+                <a:cs typeface="Consolas" panose="020B0609020204030204" pitchFamily="49" charset="0"/>
+              </a:rPr>
+              <a:t>[2] </a:t>
+            </a:r>
+            <a:r>
+              <a:rPr lang="en-US" sz="2400" dirty="0">
+                <a:cs typeface="Consolas" panose="020B0609020204030204" pitchFamily="49" charset="0"/>
+              </a:rPr>
+              <a:t>will give us </a:t>
+            </a:r>
+            <a:r>
+              <a:rPr lang="en-US" sz="2400" dirty="0">
+                <a:latin typeface="Consolas" panose="020B0609020204030204" pitchFamily="49" charset="0"/>
+                <a:cs typeface="Consolas" panose="020B0609020204030204" pitchFamily="49" charset="0"/>
+              </a:rPr>
+              <a:t>Z</a:t>
+            </a:r>
+          </a:p>
+          <a:p>
+            <a:pPr marL="0" indent="0">
+              <a:buNone/>
+            </a:pPr>
+            <a:endParaRPr lang="en-US" sz="2400" dirty="0">
+              <a:cs typeface="Consolas" panose="020B0609020204030204" pitchFamily="49" charset="0"/>
+            </a:endParaRPr>
+          </a:p>
+        </p:txBody>
+      </p:sp>
+      <p:sp>
+        <p:nvSpPr>
+          <p:cNvPr id="4" name="Rectangle 3">
+            <a:extLst>
+              <a:ext uri="{FF2B5EF4-FFF2-40B4-BE49-F238E27FC236}">
+                <a16:creationId xmlns:a16="http://schemas.microsoft.com/office/drawing/2014/main" id="{6FEE6A3C-5DF6-E501-F75C-2733E77A8A44}"/>
+              </a:ext>
+            </a:extLst>
+          </p:cNvPr>
+          <p:cNvSpPr/>
+          <p:nvPr/>
+        </p:nvSpPr>
+        <p:spPr>
+          <a:xfrm>
+            <a:off x="3566033" y="3540540"/>
+            <a:ext cx="8196476" cy="1754326"/>
+          </a:xfrm>
+          <a:prstGeom prst="rect">
+            <a:avLst/>
+          </a:prstGeom>
+          <a:noFill/>
+        </p:spPr>
+        <p:txBody>
+          <a:bodyPr wrap="none" lIns="91440" tIns="45720" rIns="91440" bIns="45720">
+            <a:spAutoFit/>
+          </a:bodyPr>
+          <a:lstStyle/>
+          <a:p>
+            <a:pPr algn="ctr"/>
+            <a:r>
+              <a:rPr lang="en-US" sz="5400" b="0" cap="none" spc="0" dirty="0" err="1">
+                <a:ln w="0"/>
+                <a:solidFill>
+                  <a:schemeClr val="tx1"/>
+                </a:solidFill>
+                <a:effectLst>
+                  <a:outerShdw blurRad="38100" dist="19050" dir="2700000" algn="tl" rotWithShape="0">
+                    <a:schemeClr val="dk1">
+                      <a:alpha val="40000"/>
+                    </a:schemeClr>
+                  </a:outerShdw>
+                </a:effectLst>
+                <a:latin typeface="Consolas" panose="020B0609020204030204" pitchFamily="49" charset="0"/>
+                <a:cs typeface="Consolas" panose="020B0609020204030204" pitchFamily="49" charset="0"/>
+              </a:rPr>
+              <a:t>lst</a:t>
+            </a:r>
+            <a:r>
+              <a:rPr lang="en-US" sz="5400" b="0" cap="none" spc="0" dirty="0">
+                <a:ln w="0"/>
+                <a:solidFill>
+                  <a:schemeClr val="tx1"/>
+                </a:solidFill>
+                <a:effectLst>
+                  <a:outerShdw blurRad="38100" dist="19050" dir="2700000" algn="tl" rotWithShape="0">
+                    <a:schemeClr val="dk1">
+                      <a:alpha val="40000"/>
+                    </a:schemeClr>
+                  </a:outerShdw>
+                </a:effectLst>
+                <a:latin typeface="Consolas" panose="020B0609020204030204" pitchFamily="49" charset="0"/>
+                <a:cs typeface="Consolas" panose="020B0609020204030204" pitchFamily="49" charset="0"/>
+              </a:rPr>
+              <a:t> = [X, Y, Z, W, V]</a:t>
+            </a:r>
+          </a:p>
+          <a:p>
+            <a:pPr algn="ctr"/>
+            <a:r>
+              <a:rPr lang="en-US" sz="5400" dirty="0">
+                <a:ln w="0"/>
+                <a:solidFill>
+                  <a:srgbClr val="C00000"/>
+                </a:solidFill>
+                <a:effectLst>
+                  <a:outerShdw blurRad="38100" dist="19050" dir="2700000" algn="tl" rotWithShape="0">
+                    <a:schemeClr val="dk1">
+                      <a:alpha val="40000"/>
+                    </a:schemeClr>
+                  </a:outerShdw>
+                </a:effectLst>
+                <a:latin typeface="Consolas" panose="020B0609020204030204" pitchFamily="49" charset="0"/>
+                <a:cs typeface="Consolas" panose="020B0609020204030204" pitchFamily="49" charset="0"/>
+              </a:rPr>
+              <a:t>      0  1  2  3  4</a:t>
+            </a:r>
+            <a:endParaRPr lang="en-US" sz="5400" b="0" cap="none" spc="0" dirty="0">
+              <a:ln w="0"/>
+              <a:solidFill>
+                <a:srgbClr val="C00000"/>
+              </a:solidFill>
+              <a:effectLst>
+                <a:outerShdw blurRad="38100" dist="19050" dir="2700000" algn="tl" rotWithShape="0">
+                  <a:schemeClr val="dk1">
+                    <a:alpha val="40000"/>
+                  </a:schemeClr>
+                </a:outerShdw>
+              </a:effectLst>
+              <a:latin typeface="Consolas" panose="020B0609020204030204" pitchFamily="49" charset="0"/>
+              <a:cs typeface="Consolas" panose="020B0609020204030204" pitchFamily="49" charset="0"/>
+            </a:endParaRPr>
+          </a:p>
+        </p:txBody>
+      </p:sp>
+    </p:spTree>
+    <p:extLst>
+      <p:ext uri="{BB962C8B-B14F-4D97-AF65-F5344CB8AC3E}">
+        <p14:creationId xmlns:p14="http://schemas.microsoft.com/office/powerpoint/2010/main" val="1439069367"/>
+      </p:ext>
+    </p:extLst>
+  </p:cSld>
+  <p:clrMapOvr>
+    <a:masterClrMapping/>
+  </p:clrMapOvr>
+</p:sld>
+</file>
+
+<file path=ppt/slides/slide13.xml><?xml version="1.0" encoding="utf-8"?>
+<p:sld xmlns:a="http://schemas.openxmlformats.org/drawingml/2006/main" xmlns:r="http://schemas.openxmlformats.org/officeDocument/2006/relationships" xmlns:p="http://schemas.openxmlformats.org/presentationml/2006/main">
+  <p:cSld>
+    <p:spTree>
+      <p:nvGrpSpPr>
+        <p:cNvPr id="1" name=""/>
+        <p:cNvGrpSpPr/>
+        <p:nvPr/>
+      </p:nvGrpSpPr>
+      <p:grpSpPr>
+        <a:xfrm>
+          <a:off x="0" y="0"/>
+          <a:ext cx="0" cy="0"/>
+          <a:chOff x="0" y="0"/>
+          <a:chExt cx="0" cy="0"/>
+        </a:xfrm>
+      </p:grpSpPr>
+      <p:sp>
+        <p:nvSpPr>
+          <p:cNvPr id="2" name="Title 1"/>
+          <p:cNvSpPr>
+            <a:spLocks noGrp="1"/>
+          </p:cNvSpPr>
+          <p:nvPr>
+            <p:ph type="title"/>
+          </p:nvPr>
+        </p:nvSpPr>
+        <p:spPr/>
+        <p:txBody>
+          <a:bodyPr/>
+          <a:lstStyle/>
+          <a:p>
+            <a:r>
+              <a:rPr lang="en-US" dirty="0"/>
+              <a:t>Accessing individual letters</a:t>
+            </a:r>
+          </a:p>
+        </p:txBody>
+      </p:sp>
+      <mc:AlternateContent xmlns:mc="http://schemas.openxmlformats.org/markup-compatibility/2006" xmlns:a14="http://schemas.microsoft.com/office/drawing/2010/main">
+        <mc:Choice Requires="a14">
+          <p:sp>
+            <p:nvSpPr>
+              <p:cNvPr id="3" name="Content Placeholder 2"/>
+              <p:cNvSpPr>
+                <a:spLocks noGrp="1"/>
+              </p:cNvSpPr>
+              <p:nvPr>
+                <p:ph idx="1"/>
+              </p:nvPr>
+            </p:nvSpPr>
+            <p:spPr>
+              <a:xfrm>
+                <a:off x="3408219" y="864108"/>
+                <a:ext cx="8354290" cy="5120640"/>
+              </a:xfrm>
+            </p:spPr>
+            <p:txBody>
+              <a:bodyPr>
+                <a:normAutofit/>
+              </a:bodyPr>
+              <a:lstStyle/>
+              <a:p>
+                <a:r>
+                  <a:rPr lang="en-US" sz="2400" dirty="0"/>
+                  <a:t>One way to think about a </a:t>
+                </a:r>
+                <a:r>
+                  <a:rPr lang="en-US" sz="2400" b="1" dirty="0">
+                    <a:latin typeface="Courier" pitchFamily="2" charset="0"/>
+                  </a:rPr>
+                  <a:t>string</a:t>
+                </a:r>
+                <a:r>
+                  <a:rPr lang="en-US" sz="2400" dirty="0"/>
+                  <a:t> is as a </a:t>
+                </a:r>
+                <a:r>
+                  <a:rPr lang="en-US" sz="2400" b="1" dirty="0">
+                    <a:latin typeface="Courier" pitchFamily="2" charset="0"/>
+                  </a:rPr>
+                  <a:t>list</a:t>
+                </a:r>
+                <a:r>
+                  <a:rPr lang="en-US" sz="2400" dirty="0"/>
+                  <a:t> of letters:</a:t>
+                </a:r>
+              </a:p>
+              <a:p>
+                <a:pPr marL="1201738" indent="0">
+                  <a:buNone/>
+                </a:pPr>
+                <a:r>
+                  <a:rPr lang="en-US" sz="2400" dirty="0">
+                    <a:latin typeface="Courier" charset="0"/>
+                    <a:ea typeface="Courier" charset="0"/>
+                    <a:cs typeface="Courier" charset="0"/>
+                  </a:rPr>
+                  <a:t>name = </a:t>
+                </a:r>
+                <a:r>
+                  <a:rPr lang="en-US" sz="2400" dirty="0">
+                    <a:solidFill>
+                      <a:srgbClr val="00B050"/>
+                    </a:solidFill>
+                    <a:latin typeface="Courier" charset="0"/>
+                    <a:ea typeface="Courier" charset="0"/>
+                    <a:cs typeface="Courier" charset="0"/>
+                  </a:rPr>
+                  <a:t>“Jordan” </a:t>
+                </a:r>
+              </a:p>
+              <a:p>
+                <a:pPr marL="2120900" indent="0">
+                  <a:spcBef>
+                    <a:spcPts val="0"/>
+                  </a:spcBef>
+                  <a:buNone/>
+                </a:pPr>
+                <a14:m>
+                  <m:oMath xmlns:m="http://schemas.openxmlformats.org/officeDocument/2006/math">
+                    <m:r>
+                      <a:rPr lang="en-US" sz="2400" i="1" dirty="0" smtClean="0">
+                        <a:latin typeface="Cambria Math" charset="0"/>
+                        <a:ea typeface="Cambria Math" charset="0"/>
+                        <a:cs typeface="Cambria Math" charset="0"/>
+                      </a:rPr>
+                      <m:t>≈</m:t>
+                    </m:r>
+                  </m:oMath>
+                </a14:m>
+                <a:r>
+                  <a:rPr lang="en-US" sz="2400" dirty="0">
+                    <a:latin typeface="Courier" charset="0"/>
+                    <a:ea typeface="Courier" charset="0"/>
+                    <a:cs typeface="Courier" charset="0"/>
+                  </a:rPr>
+                  <a:t> [</a:t>
+                </a:r>
+                <a:r>
+                  <a:rPr lang="en-US" sz="2400" dirty="0">
+                    <a:solidFill>
+                      <a:srgbClr val="00B050"/>
+                    </a:solidFill>
+                    <a:latin typeface="Courier" charset="0"/>
+                    <a:ea typeface="Courier" charset="0"/>
+                    <a:cs typeface="Courier" charset="0"/>
+                  </a:rPr>
+                  <a:t>‘J’</a:t>
+                </a:r>
+                <a:r>
+                  <a:rPr lang="en-US" sz="2400" dirty="0">
+                    <a:latin typeface="Courier" charset="0"/>
+                    <a:ea typeface="Courier" charset="0"/>
+                    <a:cs typeface="Courier" charset="0"/>
+                  </a:rPr>
+                  <a:t>, </a:t>
+                </a:r>
+                <a:r>
+                  <a:rPr lang="en-US" sz="2400" dirty="0">
+                    <a:solidFill>
+                      <a:srgbClr val="00B050"/>
+                    </a:solidFill>
+                    <a:latin typeface="Courier" charset="0"/>
+                    <a:ea typeface="Courier" charset="0"/>
+                    <a:cs typeface="Courier" charset="0"/>
+                  </a:rPr>
+                  <a:t>‘o’</a:t>
+                </a:r>
+                <a:r>
+                  <a:rPr lang="en-US" sz="2400" dirty="0">
+                    <a:latin typeface="Courier" charset="0"/>
+                    <a:ea typeface="Courier" charset="0"/>
+                    <a:cs typeface="Courier" charset="0"/>
+                  </a:rPr>
+                  <a:t>, </a:t>
+                </a:r>
+                <a:r>
+                  <a:rPr lang="en-US" sz="2400" dirty="0">
+                    <a:solidFill>
+                      <a:srgbClr val="00B050"/>
+                    </a:solidFill>
+                    <a:latin typeface="Courier" charset="0"/>
+                    <a:ea typeface="Courier" charset="0"/>
+                    <a:cs typeface="Courier" charset="0"/>
+                  </a:rPr>
+                  <a:t>‘r’</a:t>
+                </a:r>
+                <a:r>
+                  <a:rPr lang="en-US" sz="2400" dirty="0">
+                    <a:latin typeface="Courier" charset="0"/>
+                    <a:ea typeface="Courier" charset="0"/>
+                    <a:cs typeface="Courier" charset="0"/>
+                  </a:rPr>
+                  <a:t>, </a:t>
+                </a:r>
+                <a:r>
+                  <a:rPr lang="en-US" sz="2400" dirty="0">
+                    <a:solidFill>
+                      <a:srgbClr val="00B050"/>
+                    </a:solidFill>
+                    <a:latin typeface="Courier" charset="0"/>
+                    <a:ea typeface="Courier" charset="0"/>
+                    <a:cs typeface="Courier" charset="0"/>
+                  </a:rPr>
+                  <a:t>‘d’</a:t>
+                </a:r>
+                <a:r>
+                  <a:rPr lang="en-US" sz="2400" dirty="0">
+                    <a:latin typeface="Courier" charset="0"/>
+                    <a:ea typeface="Courier" charset="0"/>
+                    <a:cs typeface="Courier" charset="0"/>
+                  </a:rPr>
+                  <a:t>, </a:t>
+                </a:r>
+                <a:r>
+                  <a:rPr lang="en-US" sz="2400" dirty="0">
+                    <a:solidFill>
+                      <a:srgbClr val="00B050"/>
+                    </a:solidFill>
+                    <a:latin typeface="Courier" charset="0"/>
+                    <a:ea typeface="Courier" charset="0"/>
+                    <a:cs typeface="Courier" charset="0"/>
+                  </a:rPr>
+                  <a:t>‘a’</a:t>
+                </a:r>
+                <a:r>
+                  <a:rPr lang="en-US" sz="2400" dirty="0">
+                    <a:latin typeface="Courier" charset="0"/>
+                    <a:ea typeface="Courier" charset="0"/>
+                    <a:cs typeface="Courier" charset="0"/>
+                  </a:rPr>
+                  <a:t>, </a:t>
+                </a:r>
+                <a:r>
+                  <a:rPr lang="en-US" sz="2400" dirty="0">
+                    <a:solidFill>
+                      <a:srgbClr val="00B050"/>
+                    </a:solidFill>
+                    <a:latin typeface="Courier" charset="0"/>
+                    <a:ea typeface="Courier" charset="0"/>
+                    <a:cs typeface="Courier" charset="0"/>
+                  </a:rPr>
+                  <a:t>‘n’</a:t>
+                </a:r>
+                <a:r>
+                  <a:rPr lang="en-US" sz="2400" dirty="0">
+                    <a:latin typeface="Courier" charset="0"/>
+                    <a:ea typeface="Courier" charset="0"/>
+                    <a:cs typeface="Courier" charset="0"/>
+                  </a:rPr>
+                  <a:t>]</a:t>
+                </a:r>
+              </a:p>
+              <a:p>
+                <a:pPr marL="2921000" indent="0">
+                  <a:spcBef>
+                    <a:spcPts val="0"/>
+                  </a:spcBef>
+                  <a:buNone/>
+                </a:pPr>
+                <a:r>
+                  <a:rPr lang="en-US" sz="1400" dirty="0"/>
+                  <a:t>0                          1                       2                       3                      4                        5 </a:t>
+                </a:r>
+              </a:p>
+              <a:p>
+                <a:pPr marL="2921000" indent="0">
+                  <a:spcBef>
+                    <a:spcPts val="0"/>
+                  </a:spcBef>
+                  <a:buNone/>
+                </a:pPr>
+                <a:endParaRPr lang="en-US" sz="1400" dirty="0"/>
+              </a:p>
+              <a:p>
+                <a:r>
+                  <a:rPr lang="en-US" sz="2400" b="1" dirty="0"/>
+                  <a:t>Question</a:t>
+                </a:r>
+                <a:r>
+                  <a:rPr lang="en-US" sz="2400" dirty="0"/>
+                  <a:t>: how would I print out the 3</a:t>
+                </a:r>
+                <a:r>
+                  <a:rPr lang="en-US" sz="2400" baseline="30000" dirty="0"/>
+                  <a:t>rd</a:t>
+                </a:r>
+                <a:r>
+                  <a:rPr lang="en-US" sz="2400" dirty="0"/>
+                  <a:t> letter (position 2)?</a:t>
+                </a:r>
+              </a:p>
+              <a:p>
+                <a:pPr marL="0" indent="0" algn="ctr">
+                  <a:buNone/>
+                </a:pPr>
+                <a:r>
+                  <a:rPr lang="en-US" sz="2400" dirty="0">
+                    <a:latin typeface="Courier" charset="0"/>
+                    <a:ea typeface="Courier" charset="0"/>
+                    <a:cs typeface="Courier" charset="0"/>
+                  </a:rPr>
+                  <a:t>print(name[2])</a:t>
+                </a:r>
+              </a:p>
+            </p:txBody>
+          </p:sp>
+        </mc:Choice>
+        <mc:Fallback xmlns="">
+          <p:sp>
+            <p:nvSpPr>
+              <p:cNvPr id="3" name="Content Placeholder 2"/>
+              <p:cNvSpPr>
+                <a:spLocks noGrp="1" noRot="1" noChangeAspect="1" noMove="1" noResize="1" noEditPoints="1" noAdjustHandles="1" noChangeArrowheads="1" noChangeShapeType="1" noTextEdit="1"/>
+              </p:cNvSpPr>
+              <p:nvPr>
+                <p:ph idx="1"/>
+              </p:nvPr>
+            </p:nvSpPr>
+            <p:spPr>
+              <a:xfrm>
+                <a:off x="3408219" y="864108"/>
+                <a:ext cx="8354290" cy="5120640"/>
+              </a:xfrm>
+              <a:blipFill>
+                <a:blip r:embed="rId2"/>
+                <a:stretch>
+                  <a:fillRect l="-759"/>
+                </a:stretch>
+              </a:blipFill>
+            </p:spPr>
+            <p:txBody>
+              <a:bodyPr/>
+              <a:lstStyle/>
+              <a:p>
+                <a:r>
+                  <a:rPr lang="en-US">
+                    <a:noFill/>
+                  </a:rPr>
+                  <a:t> </a:t>
+                </a:r>
+              </a:p>
+            </p:txBody>
+          </p:sp>
+        </mc:Fallback>
+      </mc:AlternateContent>
+    </p:spTree>
+    <p:extLst>
+      <p:ext uri="{BB962C8B-B14F-4D97-AF65-F5344CB8AC3E}">
+        <p14:creationId xmlns:p14="http://schemas.microsoft.com/office/powerpoint/2010/main" val="4271152755"/>
+      </p:ext>
+    </p:extLst>
+  </p:cSld>
+  <p:clrMapOvr>
+    <a:masterClrMapping/>
+  </p:clrMapOvr>
+  <p:timing>
+    <p:tnLst>
+      <p:par>
+        <p:cTn id="1" dur="indefinite" restart="never" nodeType="tmRoot">
+          <p:childTnLst>
+            <p:seq concurrent="1" nextAc="seek">
+              <p:cTn id="2" dur="indefinite" nodeType="mainSeq">
+                <p:childTnLst>
+                  <p:par>
+                    <p:cTn id="3" fill="hold">
+                      <p:stCondLst>
+                        <p:cond delay="indefinite"/>
+                        <p:cond evt="onBegin" delay="0">
+                          <p:tn val="2"/>
+                        </p:cond>
+                      </p:stCondLst>
+                      <p:childTnLst>
+                        <p:par>
+                          <p:cTn id="4" fill="hold">
+                            <p:stCondLst>
+                              <p:cond delay="0"/>
+                            </p:stCondLst>
+                            <p:childTnLst>
+                              <p:par>
+                                <p:cTn id="5" presetID="1" presetClass="entr" presetSubtype="0" fill="hold" nodeType="withEffect">
+                                  <p:stCondLst>
+                                    <p:cond delay="0"/>
+                                  </p:stCondLst>
+                                  <p:childTnLst>
+                                    <p:set>
+                                      <p:cBhvr>
+                                        <p:cTn id="6" dur="1" fill="hold">
+                                          <p:stCondLst>
+                                            <p:cond delay="0"/>
+                                          </p:stCondLst>
+                                        </p:cTn>
+                                        <p:tgtEl>
+                                          <p:spTgt spid="3">
+                                            <p:txEl>
+                                              <p:pRg st="0" end="0"/>
+                                            </p:txEl>
+                                          </p:spTgt>
+                                        </p:tgtEl>
+                                        <p:attrNameLst>
+                                          <p:attrName>style.visibility</p:attrName>
+                                        </p:attrNameLst>
+                                      </p:cBhvr>
+                                      <p:to>
+                                        <p:strVal val="visible"/>
+                                      </p:to>
+                                    </p:set>
+                                  </p:childTnLst>
+                                  <p:subTnLst>
+                                    <p:animClr clrSpc="rgb" dir="cw">
+                                      <p:cBhvr override="childStyle">
+                                        <p:cTn dur="1" fill="hold" display="0" masterRel="nextClick" afterEffect="1"/>
+                                        <p:tgtEl>
+                                          <p:spTgt spid="3">
+                                            <p:txEl>
+                                              <p:pRg st="0" end="0"/>
+                                            </p:txEl>
+                                          </p:spTgt>
+                                        </p:tgtEl>
+                                        <p:attrNameLst>
+                                          <p:attrName>ppt_c</p:attrName>
+                                        </p:attrNameLst>
+                                      </p:cBhvr>
+                                      <p:to>
+                                        <a:schemeClr val="accent1"/>
+                                      </p:to>
+                                    </p:animClr>
+                                  </p:subTnLst>
+                                </p:cTn>
+                              </p:par>
+                              <p:par>
+                                <p:cTn id="7" presetID="1" presetClass="entr" presetSubtype="0" fill="hold" nodeType="withEffect">
+                                  <p:stCondLst>
+                                    <p:cond delay="0"/>
+                                  </p:stCondLst>
+                                  <p:childTnLst>
+                                    <p:set>
+                                      <p:cBhvr>
+                                        <p:cTn id="8" dur="1" fill="hold">
+                                          <p:stCondLst>
+                                            <p:cond delay="0"/>
+                                          </p:stCondLst>
+                                        </p:cTn>
+                                        <p:tgtEl>
+                                          <p:spTgt spid="3">
+                                            <p:txEl>
+                                              <p:pRg st="1" end="1"/>
+                                            </p:txEl>
+                                          </p:spTgt>
+                                        </p:tgtEl>
+                                        <p:attrNameLst>
+                                          <p:attrName>style.visibility</p:attrName>
+                                        </p:attrNameLst>
+                                      </p:cBhvr>
+                                      <p:to>
+                                        <p:strVal val="visible"/>
+                                      </p:to>
+                                    </p:set>
+                                  </p:childTnLst>
+                                  <p:subTnLst>
+                                    <p:animClr clrSpc="rgb" dir="cw">
+                                      <p:cBhvr override="childStyle">
+                                        <p:cTn dur="1" fill="hold" display="0" masterRel="nextClick" afterEffect="1"/>
+                                        <p:tgtEl>
+                                          <p:spTgt spid="3">
+                                            <p:txEl>
+                                              <p:pRg st="1" end="1"/>
+                                            </p:txEl>
+                                          </p:spTgt>
+                                        </p:tgtEl>
+                                        <p:attrNameLst>
+                                          <p:attrName>ppt_c</p:attrName>
+                                        </p:attrNameLst>
+                                      </p:cBhvr>
+                                      <p:to>
+                                        <a:schemeClr val="accent1"/>
+                                      </p:to>
+                                    </p:animClr>
+                                  </p:subTnLst>
+                                </p:cTn>
+                              </p:par>
+                              <p:par>
+                                <p:cTn id="9" presetID="1" presetClass="entr" presetSubtype="0" fill="hold" nodeType="withEffect">
+                                  <p:stCondLst>
+                                    <p:cond delay="0"/>
+                                  </p:stCondLst>
+                                  <p:childTnLst>
+                                    <p:set>
+                                      <p:cBhvr>
+                                        <p:cTn id="10" dur="1" fill="hold">
+                                          <p:stCondLst>
+                                            <p:cond delay="0"/>
+                                          </p:stCondLst>
+                                        </p:cTn>
+                                        <p:tgtEl>
+                                          <p:spTgt spid="3">
+                                            <p:txEl>
+                                              <p:pRg st="2" end="2"/>
+                                            </p:txEl>
+                                          </p:spTgt>
+                                        </p:tgtEl>
+                                        <p:attrNameLst>
+                                          <p:attrName>style.visibility</p:attrName>
+                                        </p:attrNameLst>
+                                      </p:cBhvr>
+                                      <p:to>
+                                        <p:strVal val="visible"/>
+                                      </p:to>
+                                    </p:set>
+                                  </p:childTnLst>
+                                  <p:subTnLst>
+                                    <p:animClr clrSpc="rgb" dir="cw">
+                                      <p:cBhvr override="childStyle">
+                                        <p:cTn dur="1" fill="hold" display="0" masterRel="nextClick" afterEffect="1"/>
+                                        <p:tgtEl>
+                                          <p:spTgt spid="3">
+                                            <p:txEl>
+                                              <p:pRg st="2" end="2"/>
+                                            </p:txEl>
+                                          </p:spTgt>
+                                        </p:tgtEl>
+                                        <p:attrNameLst>
+                                          <p:attrName>ppt_c</p:attrName>
+                                        </p:attrNameLst>
+                                      </p:cBhvr>
+                                      <p:to>
+                                        <a:schemeClr val="accent1"/>
+                                      </p:to>
+                                    </p:animClr>
+                                  </p:subTnLst>
+                                </p:cTn>
+                              </p:par>
+                              <p:par>
+                                <p:cTn id="11" presetID="1" presetClass="entr" presetSubtype="0" fill="hold" nodeType="withEffect">
+                                  <p:stCondLst>
+                                    <p:cond delay="0"/>
+                                  </p:stCondLst>
+                                  <p:childTnLst>
+                                    <p:set>
+                                      <p:cBhvr>
+                                        <p:cTn id="12" dur="1" fill="hold">
+                                          <p:stCondLst>
+                                            <p:cond delay="0"/>
+                                          </p:stCondLst>
+                                        </p:cTn>
+                                        <p:tgtEl>
+                                          <p:spTgt spid="3">
+                                            <p:txEl>
+                                              <p:pRg st="3" end="3"/>
+                                            </p:txEl>
+                                          </p:spTgt>
+                                        </p:tgtEl>
+                                        <p:attrNameLst>
+                                          <p:attrName>style.visibility</p:attrName>
+                                        </p:attrNameLst>
+                                      </p:cBhvr>
+                                      <p:to>
+                                        <p:strVal val="visible"/>
+                                      </p:to>
+                                    </p:set>
+                                  </p:childTnLst>
+                                  <p:subTnLst>
+                                    <p:animClr clrSpc="rgb" dir="cw">
+                                      <p:cBhvr override="childStyle">
+                                        <p:cTn dur="1" fill="hold" display="0" masterRel="nextClick" afterEffect="1"/>
+                                        <p:tgtEl>
+                                          <p:spTgt spid="3">
+                                            <p:txEl>
+                                              <p:pRg st="3" end="3"/>
+                                            </p:txEl>
+                                          </p:spTgt>
+                                        </p:tgtEl>
+                                        <p:attrNameLst>
+                                          <p:attrName>ppt_c</p:attrName>
+                                        </p:attrNameLst>
+                                      </p:cBhvr>
+                                      <p:to>
+                                        <a:schemeClr val="accent1"/>
+                                      </p:to>
+                                    </p:animClr>
+                                  </p:subTnLst>
+                                </p:cTn>
+                              </p:par>
+                            </p:childTnLst>
+                          </p:cTn>
+                        </p:par>
+                      </p:childTnLst>
+                    </p:cTn>
+                  </p:par>
+                  <p:par>
+                    <p:cTn id="13" fill="hold">
+                      <p:stCondLst>
+                        <p:cond delay="indefinite"/>
+                      </p:stCondLst>
+                      <p:childTnLst>
+                        <p:par>
+                          <p:cTn id="14" fill="hold">
+                            <p:stCondLst>
+                              <p:cond delay="0"/>
+                            </p:stCondLst>
+                            <p:childTnLst>
+                              <p:par>
+                                <p:cTn id="15" presetID="1" presetClass="entr" presetSubtype="0" fill="hold" nodeType="clickEffect">
+                                  <p:stCondLst>
+                                    <p:cond delay="0"/>
+                                  </p:stCondLst>
+                                  <p:childTnLst>
+                                    <p:set>
+                                      <p:cBhvr>
+                                        <p:cTn id="16" dur="1" fill="hold">
+                                          <p:stCondLst>
+                                            <p:cond delay="0"/>
+                                          </p:stCondLst>
+                                        </p:cTn>
+                                        <p:tgtEl>
+                                          <p:spTgt spid="3">
+                                            <p:txEl>
+                                              <p:pRg st="5" end="5"/>
+                                            </p:txEl>
+                                          </p:spTgt>
+                                        </p:tgtEl>
+                                        <p:attrNameLst>
+                                          <p:attrName>style.visibility</p:attrName>
+                                        </p:attrNameLst>
+                                      </p:cBhvr>
+                                      <p:to>
+                                        <p:strVal val="visible"/>
+                                      </p:to>
+                                    </p:set>
+                                  </p:childTnLst>
+                                </p:cTn>
+                              </p:par>
+                            </p:childTnLst>
+                          </p:cTn>
+                        </p:par>
+                      </p:childTnLst>
+                    </p:cTn>
+                  </p:par>
+                  <p:par>
+                    <p:cTn id="17" fill="hold">
+                      <p:stCondLst>
+                        <p:cond delay="indefinite"/>
+                      </p:stCondLst>
+                      <p:childTnLst>
+                        <p:par>
+                          <p:cTn id="18" fill="hold">
+                            <p:stCondLst>
+                              <p:cond delay="0"/>
+                            </p:stCondLst>
+                            <p:childTnLst>
+                              <p:par>
+                                <p:cTn id="19" presetID="1" presetClass="entr" presetSubtype="0" fill="hold" nodeType="clickEffect">
+                                  <p:stCondLst>
+                                    <p:cond delay="0"/>
+                                  </p:stCondLst>
+                                  <p:childTnLst>
+                                    <p:set>
+                                      <p:cBhvr>
+                                        <p:cTn id="20" dur="1" fill="hold">
+                                          <p:stCondLst>
+                                            <p:cond delay="0"/>
+                                          </p:stCondLst>
+                                        </p:cTn>
+                                        <p:tgtEl>
+                                          <p:spTgt spid="3">
+                                            <p:txEl>
+                                              <p:pRg st="6" end="6"/>
+                                            </p:txEl>
+                                          </p:spTgt>
+                                        </p:tgtEl>
+                                        <p:attrNameLst>
+                                          <p:attrName>style.visibility</p:attrName>
+                                        </p:attrNameLst>
+                                      </p:cBhvr>
+                                      <p:to>
+                                        <p:strVal val="visible"/>
+                                      </p:to>
+                                    </p:set>
+                                  </p:childTnLst>
+                                </p:cTn>
+                              </p:par>
+                            </p:childTnLst>
+                          </p:cTn>
+                        </p:par>
+                      </p:childTnLst>
+                    </p:cTn>
+                  </p:par>
+                </p:childTnLst>
+              </p:cTn>
+              <p:prevCondLst>
+                <p:cond evt="onPrev" delay="0">
+                  <p:tgtEl>
+                    <p:sldTgt/>
+                  </p:tgtEl>
+                </p:cond>
+              </p:prevCondLst>
+              <p:nextCondLst>
+                <p:cond evt="onNext" delay="0">
+                  <p:tgtEl>
+                    <p:sldTgt/>
+                  </p:tgtEl>
+                </p:cond>
+              </p:nextCondLst>
+            </p:seq>
+          </p:childTnLst>
+        </p:cTn>
+      </p:par>
+    </p:tnLst>
+  </p:timing>
+</p:sld>
+</file>
+
+<file path=ppt/slides/slide14.xml><?xml version="1.0" encoding="utf-8"?>
 <p:sld xmlns:a="http://schemas.openxmlformats.org/drawingml/2006/main" xmlns:r="http://schemas.openxmlformats.org/officeDocument/2006/relationships" xmlns:p="http://schemas.openxmlformats.org/presentationml/2006/main">
   <p:cSld>
     <p:spTree>
@@ -4720,7 +6111,7 @@
 </p:sld>
 </file>
 
-<file path=ppt/slides/slide11.xml><?xml version="1.0" encoding="utf-8"?>
+<file path=ppt/slides/slide15.xml><?xml version="1.0" encoding="utf-8"?>
 <p:sld xmlns:a="http://schemas.openxmlformats.org/drawingml/2006/main" xmlns:r="http://schemas.openxmlformats.org/officeDocument/2006/relationships" xmlns:p="http://schemas.openxmlformats.org/presentationml/2006/main">
   <p:cSld>
     <p:spTree>
@@ -4910,7 +6301,7 @@
 </p:sld>
 </file>
 
-<file path=ppt/slides/slide12.xml><?xml version="1.0" encoding="utf-8"?>
+<file path=ppt/slides/slide16.xml><?xml version="1.0" encoding="utf-8"?>
 <p:sld xmlns:a="http://schemas.openxmlformats.org/drawingml/2006/main" xmlns:r="http://schemas.openxmlformats.org/officeDocument/2006/relationships" xmlns:p="http://schemas.openxmlformats.org/presentationml/2006/main">
   <p:cSld>
     <p:spTree>
@@ -5081,7 +6472,7 @@
 </p:sld>
 </file>
 
-<file path=ppt/slides/slide13.xml><?xml version="1.0" encoding="utf-8"?>
+<file path=ppt/slides/slide17.xml><?xml version="1.0" encoding="utf-8"?>
 <p:sld xmlns:a="http://schemas.openxmlformats.org/drawingml/2006/main" xmlns:r="http://schemas.openxmlformats.org/officeDocument/2006/relationships" xmlns:p="http://schemas.openxmlformats.org/presentationml/2006/main">
   <p:cSld>
     <p:spTree>
@@ -5325,7 +6716,7 @@
 </p:sld>
 </file>
 
-<file path=ppt/slides/slide14.xml><?xml version="1.0" encoding="utf-8"?>
+<file path=ppt/slides/slide18.xml><?xml version="1.0" encoding="utf-8"?>
 <p:sld xmlns:a="http://schemas.openxmlformats.org/drawingml/2006/main" xmlns:r="http://schemas.openxmlformats.org/officeDocument/2006/relationships" xmlns:p="http://schemas.openxmlformats.org/presentationml/2006/main">
   <p:cSld>
     <p:spTree>
@@ -6268,7 +7659,7 @@
 </p:sld>
 </file>
 
-<file path=ppt/slides/slide15.xml><?xml version="1.0" encoding="utf-8"?>
+<file path=ppt/slides/slide19.xml><?xml version="1.0" encoding="utf-8"?>
 <p:sld xmlns:a="http://schemas.openxmlformats.org/drawingml/2006/main" xmlns:r="http://schemas.openxmlformats.org/officeDocument/2006/relationships" xmlns:p="http://schemas.openxmlformats.org/presentationml/2006/main">
   <p:cSld>
     <p:spTree>
@@ -6407,7 +7798,107 @@
 </p:sld>
 </file>
 
-<file path=ppt/slides/slide16.xml><?xml version="1.0" encoding="utf-8"?>
+<file path=ppt/slides/slide2.xml><?xml version="1.0" encoding="utf-8"?>
+<p:sld xmlns:a="http://schemas.openxmlformats.org/drawingml/2006/main" xmlns:r="http://schemas.openxmlformats.org/officeDocument/2006/relationships" xmlns:p="http://schemas.openxmlformats.org/presentationml/2006/main">
+  <p:cSld>
+    <p:spTree>
+      <p:nvGrpSpPr>
+        <p:cNvPr id="1" name=""/>
+        <p:cNvGrpSpPr/>
+        <p:nvPr/>
+      </p:nvGrpSpPr>
+      <p:grpSpPr>
+        <a:xfrm>
+          <a:off x="0" y="0"/>
+          <a:ext cx="0" cy="0"/>
+          <a:chOff x="0" y="0"/>
+          <a:chExt cx="0" cy="0"/>
+        </a:xfrm>
+      </p:grpSpPr>
+      <p:sp>
+        <p:nvSpPr>
+          <p:cNvPr id="2" name="Title 1">
+            <a:extLst>
+              <a:ext uri="{FF2B5EF4-FFF2-40B4-BE49-F238E27FC236}">
+                <a16:creationId xmlns:a16="http://schemas.microsoft.com/office/drawing/2014/main" id="{10D330C2-52A4-1ABA-980B-56FBC97F350C}"/>
+              </a:ext>
+            </a:extLst>
+          </p:cNvPr>
+          <p:cNvSpPr>
+            <a:spLocks noGrp="1"/>
+          </p:cNvSpPr>
+          <p:nvPr>
+            <p:ph type="title"/>
+          </p:nvPr>
+        </p:nvSpPr>
+        <p:spPr/>
+        <p:txBody>
+          <a:bodyPr/>
+          <a:lstStyle/>
+          <a:p>
+            <a:r>
+              <a:rPr lang="en-US" dirty="0"/>
+              <a:t>Plan for Today</a:t>
+            </a:r>
+          </a:p>
+        </p:txBody>
+      </p:sp>
+      <p:sp>
+        <p:nvSpPr>
+          <p:cNvPr id="3" name="Content Placeholder 2">
+            <a:extLst>
+              <a:ext uri="{FF2B5EF4-FFF2-40B4-BE49-F238E27FC236}">
+                <a16:creationId xmlns:a16="http://schemas.microsoft.com/office/drawing/2014/main" id="{9EAE50F6-429C-715A-C25C-1C7744AED1CF}"/>
+              </a:ext>
+            </a:extLst>
+          </p:cNvPr>
+          <p:cNvSpPr>
+            <a:spLocks noGrp="1"/>
+          </p:cNvSpPr>
+          <p:nvPr>
+            <p:ph idx="1"/>
+          </p:nvPr>
+        </p:nvSpPr>
+        <p:spPr/>
+        <p:txBody>
+          <a:bodyPr>
+            <a:normAutofit/>
+          </a:bodyPr>
+          <a:lstStyle/>
+          <a:p>
+            <a:r>
+              <a:rPr lang="en-US" sz="2800" dirty="0"/>
+              <a:t>operations on strings</a:t>
+            </a:r>
+          </a:p>
+          <a:p>
+            <a:r>
+              <a:rPr lang="en-US" sz="2800" dirty="0"/>
+              <a:t>accessing individual letters</a:t>
+            </a:r>
+          </a:p>
+          <a:p>
+            <a:r>
+              <a:rPr lang="en-US" sz="2800" dirty="0"/>
+              <a:t>handy methods </a:t>
+            </a:r>
+          </a:p>
+        </p:txBody>
+      </p:sp>
+    </p:spTree>
+    <p:extLst>
+      <p:ext uri="{BB962C8B-B14F-4D97-AF65-F5344CB8AC3E}">
+        <p14:creationId xmlns:p14="http://schemas.microsoft.com/office/powerpoint/2010/main" val="1085546165"/>
+      </p:ext>
+    </p:extLst>
+  </p:cSld>
+  <p:clrMapOvr>
+    <a:masterClrMapping/>
+  </p:clrMapOvr>
+</p:sld>
+</file>
+
+<file path=ppt/slides/slide20.xml><?xml version="1.0" encoding="utf-8"?>
 <p:sld xmlns:a="http://schemas.openxmlformats.org/drawingml/2006/main" xmlns:r="http://schemas.openxmlformats.org/officeDocument/2006/relationships" xmlns:p="http://schemas.openxmlformats.org/presentationml/2006/main">
   <p:cSld>
     <p:spTree>
@@ -6644,106 +8135,6 @@
     <p:extLst>
       <p:ext uri="{BB962C8B-B14F-4D97-AF65-F5344CB8AC3E}">
         <p14:creationId xmlns:p14="http://schemas.microsoft.com/office/powerpoint/2010/main" val="336733018"/>
-      </p:ext>
-    </p:extLst>
-  </p:cSld>
-  <p:clrMapOvr>
-    <a:masterClrMapping/>
-  </p:clrMapOvr>
-</p:sld>
-</file>
-
-<file path=ppt/slides/slide2.xml><?xml version="1.0" encoding="utf-8"?>
-<p:sld xmlns:a="http://schemas.openxmlformats.org/drawingml/2006/main" xmlns:r="http://schemas.openxmlformats.org/officeDocument/2006/relationships" xmlns:p="http://schemas.openxmlformats.org/presentationml/2006/main">
-  <p:cSld>
-    <p:spTree>
-      <p:nvGrpSpPr>
-        <p:cNvPr id="1" name=""/>
-        <p:cNvGrpSpPr/>
-        <p:nvPr/>
-      </p:nvGrpSpPr>
-      <p:grpSpPr>
-        <a:xfrm>
-          <a:off x="0" y="0"/>
-          <a:ext cx="0" cy="0"/>
-          <a:chOff x="0" y="0"/>
-          <a:chExt cx="0" cy="0"/>
-        </a:xfrm>
-      </p:grpSpPr>
-      <p:sp>
-        <p:nvSpPr>
-          <p:cNvPr id="2" name="Title 1">
-            <a:extLst>
-              <a:ext uri="{FF2B5EF4-FFF2-40B4-BE49-F238E27FC236}">
-                <a16:creationId xmlns:a16="http://schemas.microsoft.com/office/drawing/2014/main" id="{10D330C2-52A4-1ABA-980B-56FBC97F350C}"/>
-              </a:ext>
-            </a:extLst>
-          </p:cNvPr>
-          <p:cNvSpPr>
-            <a:spLocks noGrp="1"/>
-          </p:cNvSpPr>
-          <p:nvPr>
-            <p:ph type="title"/>
-          </p:nvPr>
-        </p:nvSpPr>
-        <p:spPr/>
-        <p:txBody>
-          <a:bodyPr/>
-          <a:lstStyle/>
-          <a:p>
-            <a:r>
-              <a:rPr lang="en-US" dirty="0"/>
-              <a:t>Plan for Today</a:t>
-            </a:r>
-          </a:p>
-        </p:txBody>
-      </p:sp>
-      <p:sp>
-        <p:nvSpPr>
-          <p:cNvPr id="3" name="Content Placeholder 2">
-            <a:extLst>
-              <a:ext uri="{FF2B5EF4-FFF2-40B4-BE49-F238E27FC236}">
-                <a16:creationId xmlns:a16="http://schemas.microsoft.com/office/drawing/2014/main" id="{9EAE50F6-429C-715A-C25C-1C7744AED1CF}"/>
-              </a:ext>
-            </a:extLst>
-          </p:cNvPr>
-          <p:cNvSpPr>
-            <a:spLocks noGrp="1"/>
-          </p:cNvSpPr>
-          <p:nvPr>
-            <p:ph idx="1"/>
-          </p:nvPr>
-        </p:nvSpPr>
-        <p:spPr/>
-        <p:txBody>
-          <a:bodyPr>
-            <a:normAutofit/>
-          </a:bodyPr>
-          <a:lstStyle/>
-          <a:p>
-            <a:r>
-              <a:rPr lang="en-US" sz="2800" dirty="0"/>
-              <a:t>operations on strings</a:t>
-            </a:r>
-          </a:p>
-          <a:p>
-            <a:r>
-              <a:rPr lang="en-US" sz="2800" dirty="0"/>
-              <a:t>accessing individual letters</a:t>
-            </a:r>
-          </a:p>
-          <a:p>
-            <a:r>
-              <a:rPr lang="en-US" sz="2800" dirty="0"/>
-              <a:t>handy methods </a:t>
-            </a:r>
-          </a:p>
-        </p:txBody>
-      </p:sp>
-    </p:spTree>
-    <p:extLst>
-      <p:ext uri="{BB962C8B-B14F-4D97-AF65-F5344CB8AC3E}">
-        <p14:creationId xmlns:p14="http://schemas.microsoft.com/office/powerpoint/2010/main" val="1085546165"/>
       </p:ext>
     </p:extLst>
   </p:cSld>
@@ -9127,314 +10518,58 @@
           </a:p>
         </p:txBody>
       </p:sp>
-      <mc:AlternateContent xmlns:mc="http://schemas.openxmlformats.org/markup-compatibility/2006">
-        <mc:Choice xmlns:a14="http://schemas.microsoft.com/office/drawing/2010/main" Requires="a14">
-          <p:sp>
-            <p:nvSpPr>
-              <p:cNvPr id="3" name="Content Placeholder 2"/>
-              <p:cNvSpPr>
-                <a:spLocks noGrp="1"/>
-              </p:cNvSpPr>
-              <p:nvPr>
-                <p:ph idx="1"/>
-              </p:nvPr>
-            </p:nvSpPr>
-            <p:spPr>
-              <a:xfrm>
-                <a:off x="3408219" y="864108"/>
-                <a:ext cx="8354290" cy="5120640"/>
-              </a:xfrm>
-            </p:spPr>
-            <p:txBody>
-              <a:bodyPr>
-                <a:normAutofit/>
-              </a:bodyPr>
-              <a:lstStyle/>
-              <a:p>
-                <a:r>
-                  <a:rPr lang="en-US" sz="2400" dirty="0"/>
-                  <a:t>One way to think about a </a:t>
-                </a:r>
-                <a:r>
-                  <a:rPr lang="en-US" sz="2400" b="1" dirty="0">
-                    <a:latin typeface="Courier" pitchFamily="2" charset="0"/>
-                  </a:rPr>
-                  <a:t>string</a:t>
-                </a:r>
-                <a:r>
-                  <a:rPr lang="en-US" sz="2400" dirty="0"/>
-                  <a:t> is as a </a:t>
-                </a:r>
-                <a:r>
-                  <a:rPr lang="en-US" sz="2400" b="1" dirty="0">
-                    <a:latin typeface="Courier" pitchFamily="2" charset="0"/>
-                  </a:rPr>
-                  <a:t>list</a:t>
-                </a:r>
-                <a:r>
-                  <a:rPr lang="en-US" sz="2400" dirty="0"/>
-                  <a:t> of letters:</a:t>
-                </a:r>
-              </a:p>
-              <a:p>
-                <a:pPr marL="1201738" indent="0">
-                  <a:buNone/>
-                </a:pPr>
-                <a:r>
-                  <a:rPr lang="en-US" sz="2400" dirty="0">
-                    <a:latin typeface="Courier" charset="0"/>
-                    <a:ea typeface="Courier" charset="0"/>
-                    <a:cs typeface="Courier" charset="0"/>
-                  </a:rPr>
-                  <a:t>name = </a:t>
-                </a:r>
-                <a:r>
-                  <a:rPr lang="en-US" sz="2400" dirty="0">
-                    <a:solidFill>
-                      <a:srgbClr val="00B050"/>
-                    </a:solidFill>
-                    <a:latin typeface="Courier" charset="0"/>
-                    <a:ea typeface="Courier" charset="0"/>
-                    <a:cs typeface="Courier" charset="0"/>
-                  </a:rPr>
-                  <a:t>“Jordan” </a:t>
-                </a:r>
-              </a:p>
-              <a:p>
-                <a:pPr marL="2120900" indent="0">
-                  <a:spcBef>
-                    <a:spcPts val="0"/>
-                  </a:spcBef>
-                  <a:buNone/>
-                </a:pPr>
-                <a14:m>
-                  <m:oMath xmlns:m="http://schemas.openxmlformats.org/officeDocument/2006/math">
-                    <m:r>
-                      <a:rPr lang="en-US" sz="2400" i="1" dirty="0" smtClean="0">
-                        <a:latin typeface="Cambria Math" charset="0"/>
-                        <a:ea typeface="Cambria Math" charset="0"/>
-                        <a:cs typeface="Cambria Math" charset="0"/>
-                      </a:rPr>
-                      <m:t>≈</m:t>
-                    </m:r>
-                  </m:oMath>
-                </a14:m>
-                <a:r>
-                  <a:rPr lang="en-US" sz="2400" dirty="0">
-                    <a:latin typeface="Courier" charset="0"/>
-                    <a:ea typeface="Courier" charset="0"/>
-                    <a:cs typeface="Courier" charset="0"/>
-                  </a:rPr>
-                  <a:t> [</a:t>
-                </a:r>
-                <a:r>
-                  <a:rPr lang="en-US" sz="2400" dirty="0">
-                    <a:solidFill>
-                      <a:srgbClr val="00B050"/>
-                    </a:solidFill>
-                    <a:latin typeface="Courier" charset="0"/>
-                    <a:ea typeface="Courier" charset="0"/>
-                    <a:cs typeface="Courier" charset="0"/>
-                  </a:rPr>
-                  <a:t>‘J’</a:t>
-                </a:r>
-                <a:r>
-                  <a:rPr lang="en-US" sz="2400" dirty="0">
-                    <a:latin typeface="Courier" charset="0"/>
-                    <a:ea typeface="Courier" charset="0"/>
-                    <a:cs typeface="Courier" charset="0"/>
-                  </a:rPr>
-                  <a:t>, </a:t>
-                </a:r>
-                <a:r>
-                  <a:rPr lang="en-US" sz="2400" dirty="0">
-                    <a:solidFill>
-                      <a:srgbClr val="00B050"/>
-                    </a:solidFill>
-                    <a:latin typeface="Courier" charset="0"/>
-                    <a:ea typeface="Courier" charset="0"/>
-                    <a:cs typeface="Courier" charset="0"/>
-                  </a:rPr>
-                  <a:t>‘o’</a:t>
-                </a:r>
-                <a:r>
-                  <a:rPr lang="en-US" sz="2400" dirty="0">
-                    <a:latin typeface="Courier" charset="0"/>
-                    <a:ea typeface="Courier" charset="0"/>
-                    <a:cs typeface="Courier" charset="0"/>
-                  </a:rPr>
-                  <a:t>, </a:t>
-                </a:r>
-                <a:r>
-                  <a:rPr lang="en-US" sz="2400" dirty="0">
-                    <a:solidFill>
-                      <a:srgbClr val="00B050"/>
-                    </a:solidFill>
-                    <a:latin typeface="Courier" charset="0"/>
-                    <a:ea typeface="Courier" charset="0"/>
-                    <a:cs typeface="Courier" charset="0"/>
-                  </a:rPr>
-                  <a:t>‘r’</a:t>
-                </a:r>
-                <a:r>
-                  <a:rPr lang="en-US" sz="2400" dirty="0">
-                    <a:latin typeface="Courier" charset="0"/>
-                    <a:ea typeface="Courier" charset="0"/>
-                    <a:cs typeface="Courier" charset="0"/>
-                  </a:rPr>
-                  <a:t>, </a:t>
-                </a:r>
-                <a:r>
-                  <a:rPr lang="en-US" sz="2400" dirty="0">
-                    <a:solidFill>
-                      <a:srgbClr val="00B050"/>
-                    </a:solidFill>
-                    <a:latin typeface="Courier" charset="0"/>
-                    <a:ea typeface="Courier" charset="0"/>
-                    <a:cs typeface="Courier" charset="0"/>
-                  </a:rPr>
-                  <a:t>‘d’</a:t>
-                </a:r>
-                <a:r>
-                  <a:rPr lang="en-US" sz="2400" dirty="0">
-                    <a:latin typeface="Courier" charset="0"/>
-                    <a:ea typeface="Courier" charset="0"/>
-                    <a:cs typeface="Courier" charset="0"/>
-                  </a:rPr>
-                  <a:t>, </a:t>
-                </a:r>
-                <a:r>
-                  <a:rPr lang="en-US" sz="2400" dirty="0">
-                    <a:solidFill>
-                      <a:srgbClr val="00B050"/>
-                    </a:solidFill>
-                    <a:latin typeface="Courier" charset="0"/>
-                    <a:ea typeface="Courier" charset="0"/>
-                    <a:cs typeface="Courier" charset="0"/>
-                  </a:rPr>
-                  <a:t>‘a’</a:t>
-                </a:r>
-                <a:r>
-                  <a:rPr lang="en-US" sz="2400" dirty="0">
-                    <a:latin typeface="Courier" charset="0"/>
-                    <a:ea typeface="Courier" charset="0"/>
-                    <a:cs typeface="Courier" charset="0"/>
-                  </a:rPr>
-                  <a:t>, </a:t>
-                </a:r>
-                <a:r>
-                  <a:rPr lang="en-US" sz="2400" dirty="0">
-                    <a:solidFill>
-                      <a:srgbClr val="00B050"/>
-                    </a:solidFill>
-                    <a:latin typeface="Courier" charset="0"/>
-                    <a:ea typeface="Courier" charset="0"/>
-                    <a:cs typeface="Courier" charset="0"/>
-                  </a:rPr>
-                  <a:t>‘n’</a:t>
-                </a:r>
-                <a:r>
-                  <a:rPr lang="en-US" sz="2400" dirty="0">
-                    <a:latin typeface="Courier" charset="0"/>
-                    <a:ea typeface="Courier" charset="0"/>
-                    <a:cs typeface="Courier" charset="0"/>
-                  </a:rPr>
-                  <a:t>]</a:t>
-                </a:r>
-              </a:p>
-              <a:p>
-                <a:pPr marL="2921000" indent="0">
-                  <a:spcBef>
-                    <a:spcPts val="0"/>
-                  </a:spcBef>
-                  <a:buNone/>
-                </a:pPr>
-                <a:r>
-                  <a:rPr lang="en-US" sz="1400" dirty="0"/>
-                  <a:t>0                          1                       2                       3                      4                        5 </a:t>
-                </a:r>
-              </a:p>
-              <a:p>
-                <a:pPr marL="2921000" indent="0">
-                  <a:spcBef>
-                    <a:spcPts val="0"/>
-                  </a:spcBef>
-                  <a:buNone/>
-                </a:pPr>
-                <a:endParaRPr lang="en-US" sz="1400" dirty="0"/>
-              </a:p>
-              <a:p>
-                <a:r>
-                  <a:rPr lang="en-US" sz="2400" b="1" dirty="0"/>
-                  <a:t>Question</a:t>
-                </a:r>
-                <a:r>
-                  <a:rPr lang="en-US" sz="2400" dirty="0"/>
-                  <a:t>: how would I print out the 3</a:t>
-                </a:r>
-                <a:r>
-                  <a:rPr lang="en-US" sz="2400" baseline="30000" dirty="0"/>
-                  <a:t>rd</a:t>
-                </a:r>
-                <a:r>
-                  <a:rPr lang="en-US" sz="2400" dirty="0"/>
-                  <a:t> letter (position 2)?</a:t>
-                </a:r>
-              </a:p>
-              <a:p>
-                <a:pPr marL="0" indent="0" algn="ctr">
-                  <a:buNone/>
-                </a:pPr>
-                <a:r>
-                  <a:rPr lang="en-US" sz="2400" dirty="0">
-                    <a:latin typeface="Courier" charset="0"/>
-                    <a:ea typeface="Courier" charset="0"/>
-                    <a:cs typeface="Courier" charset="0"/>
-                  </a:rPr>
-                  <a:t>print(name[2])</a:t>
-                </a:r>
-              </a:p>
-            </p:txBody>
-          </p:sp>
-        </mc:Choice>
-        <mc:Fallback>
-          <p:sp>
-            <p:nvSpPr>
-              <p:cNvPr id="3" name="Content Placeholder 2"/>
-              <p:cNvSpPr>
-                <a:spLocks noGrp="1" noRot="1" noChangeAspect="1" noMove="1" noResize="1" noEditPoints="1" noAdjustHandles="1" noChangeArrowheads="1" noChangeShapeType="1" noTextEdit="1"/>
-              </p:cNvSpPr>
-              <p:nvPr>
-                <p:ph idx="1"/>
-              </p:nvPr>
-            </p:nvSpPr>
-            <p:spPr>
-              <a:xfrm>
-                <a:off x="3408219" y="864108"/>
-                <a:ext cx="8354290" cy="5120640"/>
-              </a:xfrm>
-              <a:blipFill>
-                <a:blip r:embed="rId2"/>
-                <a:stretch>
-                  <a:fillRect l="-759"/>
-                </a:stretch>
-              </a:blipFill>
-            </p:spPr>
-            <p:txBody>
-              <a:bodyPr/>
-              <a:lstStyle/>
-              <a:p>
-                <a:r>
-                  <a:rPr lang="en-US">
-                    <a:noFill/>
-                  </a:rPr>
-                  <a:t> </a:t>
-                </a:r>
-              </a:p>
-            </p:txBody>
-          </p:sp>
-        </mc:Fallback>
-      </mc:AlternateContent>
+      <p:sp>
+        <p:nvSpPr>
+          <p:cNvPr id="3" name="Content Placeholder 2"/>
+          <p:cNvSpPr>
+            <a:spLocks noGrp="1"/>
+          </p:cNvSpPr>
+          <p:nvPr>
+            <p:ph idx="1"/>
+          </p:nvPr>
+        </p:nvSpPr>
+        <p:spPr>
+          <a:xfrm>
+            <a:off x="3408219" y="864108"/>
+            <a:ext cx="8354290" cy="5120640"/>
+          </a:xfrm>
+        </p:spPr>
+        <p:txBody>
+          <a:bodyPr>
+            <a:normAutofit/>
+          </a:bodyPr>
+          <a:lstStyle/>
+          <a:p>
+            <a:r>
+              <a:rPr lang="en-US" sz="2400" dirty="0"/>
+              <a:t>One way to think about a </a:t>
+            </a:r>
+            <a:r>
+              <a:rPr lang="en-US" sz="2400" b="1" dirty="0">
+                <a:latin typeface="Courier" pitchFamily="2" charset="0"/>
+              </a:rPr>
+              <a:t>string</a:t>
+            </a:r>
+            <a:r>
+              <a:rPr lang="en-US" sz="2400" dirty="0"/>
+              <a:t> is as a </a:t>
+            </a:r>
+            <a:r>
+              <a:rPr lang="en-US" sz="2400" b="1" dirty="0">
+                <a:highlight>
+                  <a:srgbClr val="FFFF00"/>
+                </a:highlight>
+                <a:latin typeface="Courier" pitchFamily="2" charset="0"/>
+              </a:rPr>
+              <a:t>list</a:t>
+            </a:r>
+            <a:r>
+              <a:rPr lang="en-US" sz="2400" dirty="0"/>
+              <a:t> of letters</a:t>
+            </a:r>
+          </a:p>
+        </p:txBody>
+      </p:sp>
     </p:spTree>
     <p:extLst>
       <p:ext uri="{BB962C8B-B14F-4D97-AF65-F5344CB8AC3E}">
@@ -9445,359 +10580,6 @@
   <p:clrMapOvr>
     <a:masterClrMapping/>
   </p:clrMapOvr>
-  <p:timing>
-    <p:tnLst>
-      <p:par>
-        <p:cTn id="1" dur="indefinite" restart="never" nodeType="tmRoot">
-          <p:childTnLst>
-            <p:seq concurrent="1" nextAc="seek">
-              <p:cTn id="2" dur="indefinite" nodeType="mainSeq">
-                <p:childTnLst>
-                  <p:par>
-                    <p:cTn id="3" fill="hold">
-                      <p:stCondLst>
-                        <p:cond delay="indefinite"/>
-                        <p:cond evt="onBegin" delay="0">
-                          <p:tn val="2"/>
-                        </p:cond>
-                      </p:stCondLst>
-                      <p:childTnLst>
-                        <p:par>
-                          <p:cTn id="4" fill="hold">
-                            <p:stCondLst>
-                              <p:cond delay="0"/>
-                            </p:stCondLst>
-                            <p:childTnLst>
-                              <p:par>
-                                <p:cTn id="5" presetID="1" presetClass="entr" presetSubtype="0" fill="hold" nodeType="withEffect">
-                                  <p:stCondLst>
-                                    <p:cond delay="0"/>
-                                  </p:stCondLst>
-                                  <p:childTnLst>
-                                    <p:set>
-                                      <p:cBhvr>
-                                        <p:cTn id="6" dur="1" fill="hold">
-                                          <p:stCondLst>
-                                            <p:cond delay="0"/>
-                                          </p:stCondLst>
-                                        </p:cTn>
-                                        <p:tgtEl>
-                                          <p:spTgt spid="3">
-                                            <p:txEl>
-                                              <p:pRg st="0" end="0"/>
-                                            </p:txEl>
-                                          </p:spTgt>
-                                        </p:tgtEl>
-                                        <p:attrNameLst>
-                                          <p:attrName>style.visibility</p:attrName>
-                                        </p:attrNameLst>
-                                      </p:cBhvr>
-                                      <p:to>
-                                        <p:strVal val="visible"/>
-                                      </p:to>
-                                    </p:set>
-                                  </p:childTnLst>
-                                  <p:subTnLst>
-                                    <p:animClr clrSpc="rgb" dir="cw">
-                                      <p:cBhvr override="childStyle">
-                                        <p:cTn dur="1" fill="hold" display="0" masterRel="nextClick" afterEffect="1"/>
-                                        <p:tgtEl>
-                                          <p:spTgt spid="3">
-                                            <p:txEl>
-                                              <p:pRg st="0" end="0"/>
-                                            </p:txEl>
-                                          </p:spTgt>
-                                        </p:tgtEl>
-                                        <p:attrNameLst>
-                                          <p:attrName>ppt_c</p:attrName>
-                                        </p:attrNameLst>
-                                      </p:cBhvr>
-                                      <p:to>
-                                        <a:schemeClr val="accent1"/>
-                                      </p:to>
-                                    </p:animClr>
-                                  </p:subTnLst>
-                                </p:cTn>
-                              </p:par>
-                              <p:par>
-                                <p:cTn id="7" presetID="1" presetClass="entr" presetSubtype="0" fill="hold" nodeType="withEffect">
-                                  <p:stCondLst>
-                                    <p:cond delay="0"/>
-                                  </p:stCondLst>
-                                  <p:childTnLst>
-                                    <p:set>
-                                      <p:cBhvr>
-                                        <p:cTn id="8" dur="1" fill="hold">
-                                          <p:stCondLst>
-                                            <p:cond delay="0"/>
-                                          </p:stCondLst>
-                                        </p:cTn>
-                                        <p:tgtEl>
-                                          <p:spTgt spid="3">
-                                            <p:txEl>
-                                              <p:pRg st="1" end="1"/>
-                                            </p:txEl>
-                                          </p:spTgt>
-                                        </p:tgtEl>
-                                        <p:attrNameLst>
-                                          <p:attrName>style.visibility</p:attrName>
-                                        </p:attrNameLst>
-                                      </p:cBhvr>
-                                      <p:to>
-                                        <p:strVal val="visible"/>
-                                      </p:to>
-                                    </p:set>
-                                  </p:childTnLst>
-                                  <p:subTnLst>
-                                    <p:animClr clrSpc="rgb" dir="cw">
-                                      <p:cBhvr override="childStyle">
-                                        <p:cTn dur="1" fill="hold" display="0" masterRel="nextClick" afterEffect="1"/>
-                                        <p:tgtEl>
-                                          <p:spTgt spid="3">
-                                            <p:txEl>
-                                              <p:pRg st="1" end="1"/>
-                                            </p:txEl>
-                                          </p:spTgt>
-                                        </p:tgtEl>
-                                        <p:attrNameLst>
-                                          <p:attrName>ppt_c</p:attrName>
-                                        </p:attrNameLst>
-                                      </p:cBhvr>
-                                      <p:to>
-                                        <a:schemeClr val="accent1"/>
-                                      </p:to>
-                                    </p:animClr>
-                                  </p:subTnLst>
-                                </p:cTn>
-                              </p:par>
-                              <p:par>
-                                <p:cTn id="9" presetID="1" presetClass="entr" presetSubtype="0" fill="hold" nodeType="withEffect">
-                                  <p:stCondLst>
-                                    <p:cond delay="0"/>
-                                  </p:stCondLst>
-                                  <p:childTnLst>
-                                    <p:set>
-                                      <p:cBhvr>
-                                        <p:cTn id="10" dur="1" fill="hold">
-                                          <p:stCondLst>
-                                            <p:cond delay="0"/>
-                                          </p:stCondLst>
-                                        </p:cTn>
-                                        <p:tgtEl>
-                                          <p:spTgt spid="3">
-                                            <p:txEl>
-                                              <p:pRg st="2" end="2"/>
-                                            </p:txEl>
-                                          </p:spTgt>
-                                        </p:tgtEl>
-                                        <p:attrNameLst>
-                                          <p:attrName>style.visibility</p:attrName>
-                                        </p:attrNameLst>
-                                      </p:cBhvr>
-                                      <p:to>
-                                        <p:strVal val="visible"/>
-                                      </p:to>
-                                    </p:set>
-                                  </p:childTnLst>
-                                  <p:subTnLst>
-                                    <p:animClr clrSpc="rgb" dir="cw">
-                                      <p:cBhvr override="childStyle">
-                                        <p:cTn dur="1" fill="hold" display="0" masterRel="nextClick" afterEffect="1"/>
-                                        <p:tgtEl>
-                                          <p:spTgt spid="3">
-                                            <p:txEl>
-                                              <p:pRg st="2" end="2"/>
-                                            </p:txEl>
-                                          </p:spTgt>
-                                        </p:tgtEl>
-                                        <p:attrNameLst>
-                                          <p:attrName>ppt_c</p:attrName>
-                                        </p:attrNameLst>
-                                      </p:cBhvr>
-                                      <p:to>
-                                        <a:schemeClr val="accent1"/>
-                                      </p:to>
-                                    </p:animClr>
-                                  </p:subTnLst>
-                                </p:cTn>
-                              </p:par>
-                              <p:par>
-                                <p:cTn id="11" presetID="1" presetClass="entr" presetSubtype="0" fill="hold" nodeType="withEffect">
-                                  <p:stCondLst>
-                                    <p:cond delay="0"/>
-                                  </p:stCondLst>
-                                  <p:childTnLst>
-                                    <p:set>
-                                      <p:cBhvr>
-                                        <p:cTn id="12" dur="1" fill="hold">
-                                          <p:stCondLst>
-                                            <p:cond delay="0"/>
-                                          </p:stCondLst>
-                                        </p:cTn>
-                                        <p:tgtEl>
-                                          <p:spTgt spid="3">
-                                            <p:txEl>
-                                              <p:pRg st="3" end="3"/>
-                                            </p:txEl>
-                                          </p:spTgt>
-                                        </p:tgtEl>
-                                        <p:attrNameLst>
-                                          <p:attrName>style.visibility</p:attrName>
-                                        </p:attrNameLst>
-                                      </p:cBhvr>
-                                      <p:to>
-                                        <p:strVal val="visible"/>
-                                      </p:to>
-                                    </p:set>
-                                  </p:childTnLst>
-                                  <p:subTnLst>
-                                    <p:animClr clrSpc="rgb" dir="cw">
-                                      <p:cBhvr override="childStyle">
-                                        <p:cTn dur="1" fill="hold" display="0" masterRel="nextClick" afterEffect="1"/>
-                                        <p:tgtEl>
-                                          <p:spTgt spid="3">
-                                            <p:txEl>
-                                              <p:pRg st="3" end="3"/>
-                                            </p:txEl>
-                                          </p:spTgt>
-                                        </p:tgtEl>
-                                        <p:attrNameLst>
-                                          <p:attrName>ppt_c</p:attrName>
-                                        </p:attrNameLst>
-                                      </p:cBhvr>
-                                      <p:to>
-                                        <a:schemeClr val="accent1"/>
-                                      </p:to>
-                                    </p:animClr>
-                                  </p:subTnLst>
-                                </p:cTn>
-                              </p:par>
-                            </p:childTnLst>
-                          </p:cTn>
-                        </p:par>
-                      </p:childTnLst>
-                    </p:cTn>
-                  </p:par>
-                  <p:par>
-                    <p:cTn id="13" fill="hold">
-                      <p:stCondLst>
-                        <p:cond delay="indefinite"/>
-                      </p:stCondLst>
-                      <p:childTnLst>
-                        <p:par>
-                          <p:cTn id="14" fill="hold">
-                            <p:stCondLst>
-                              <p:cond delay="0"/>
-                            </p:stCondLst>
-                            <p:childTnLst>
-                              <p:par>
-                                <p:cTn id="15" presetID="1" presetClass="entr" presetSubtype="0" fill="hold" nodeType="clickEffect">
-                                  <p:stCondLst>
-                                    <p:cond delay="0"/>
-                                  </p:stCondLst>
-                                  <p:childTnLst>
-                                    <p:set>
-                                      <p:cBhvr>
-                                        <p:cTn id="16" dur="1" fill="hold">
-                                          <p:stCondLst>
-                                            <p:cond delay="0"/>
-                                          </p:stCondLst>
-                                        </p:cTn>
-                                        <p:tgtEl>
-                                          <p:spTgt spid="3">
-                                            <p:txEl>
-                                              <p:pRg st="5" end="5"/>
-                                            </p:txEl>
-                                          </p:spTgt>
-                                        </p:tgtEl>
-                                        <p:attrNameLst>
-                                          <p:attrName>style.visibility</p:attrName>
-                                        </p:attrNameLst>
-                                      </p:cBhvr>
-                                      <p:to>
-                                        <p:strVal val="visible"/>
-                                      </p:to>
-                                    </p:set>
-                                  </p:childTnLst>
-                                </p:cTn>
-                              </p:par>
-                            </p:childTnLst>
-                          </p:cTn>
-                        </p:par>
-                      </p:childTnLst>
-                    </p:cTn>
-                  </p:par>
-                  <p:par>
-                    <p:cTn id="17" fill="hold">
-                      <p:stCondLst>
-                        <p:cond delay="indefinite"/>
-                      </p:stCondLst>
-                      <p:childTnLst>
-                        <p:par>
-                          <p:cTn id="18" fill="hold">
-                            <p:stCondLst>
-                              <p:cond delay="0"/>
-                            </p:stCondLst>
-                            <p:childTnLst>
-                              <p:par>
-                                <p:cTn id="19" presetID="1" presetClass="entr" presetSubtype="0" fill="hold" nodeType="clickEffect">
-                                  <p:stCondLst>
-                                    <p:cond delay="0"/>
-                                  </p:stCondLst>
-                                  <p:childTnLst>
-                                    <p:set>
-                                      <p:cBhvr>
-                                        <p:cTn id="20" dur="1" fill="hold">
-                                          <p:stCondLst>
-                                            <p:cond delay="0"/>
-                                          </p:stCondLst>
-                                        </p:cTn>
-                                        <p:tgtEl>
-                                          <p:spTgt spid="3">
-                                            <p:txEl>
-                                              <p:pRg st="6" end="6"/>
-                                            </p:txEl>
-                                          </p:spTgt>
-                                        </p:tgtEl>
-                                        <p:attrNameLst>
-                                          <p:attrName>style.visibility</p:attrName>
-                                        </p:attrNameLst>
-                                      </p:cBhvr>
-                                      <p:to>
-                                        <p:strVal val="visible"/>
-                                      </p:to>
-                                    </p:set>
-                                  </p:childTnLst>
-                                </p:cTn>
-                              </p:par>
-                            </p:childTnLst>
-                          </p:cTn>
-                        </p:par>
-                      </p:childTnLst>
-                    </p:cTn>
-                  </p:par>
-                </p:childTnLst>
-              </p:cTn>
-              <p:prevCondLst>
-                <p:cond evt="onPrev" delay="0">
-                  <p:tgtEl>
-                    <p:sldTgt/>
-                  </p:tgtEl>
-                </p:cond>
-              </p:prevCondLst>
-              <p:nextCondLst>
-                <p:cond evt="onNext" delay="0">
-                  <p:tgtEl>
-                    <p:sldTgt/>
-                  </p:tgtEl>
-                </p:cond>
-              </p:nextCondLst>
-            </p:seq>
-          </p:childTnLst>
-        </p:cTn>
-      </p:par>
-    </p:tnLst>
-  </p:timing>
 </p:sld>
 </file>
 
